--- a/Nesnoïd.pptx
+++ b/Nesnoïd.pptx
@@ -3004,7 +3004,7 @@
           <a:graphicData uri="http://schemas.openxmlformats.org/presentationml/2006/ole">
             <mc:AlternateContent xmlns:mc="http://schemas.openxmlformats.org/markup-compatibility/2006">
               <mc:Choice xmlns:v="urn:schemas-microsoft-com:vml" Requires="v">
-                <p:oleObj spid="_x0000_s2074" r:id="rId3" imgW="13002840" imgH="406080" progId="">
+                <p:oleObj spid="_x0000_s2078" r:id="rId3" imgW="13002840" imgH="406080" progId="">
                   <p:embed/>
                 </p:oleObj>
               </mc:Choice>
@@ -3061,7 +3061,7 @@
           <a:graphicData uri="http://schemas.openxmlformats.org/presentationml/2006/ole">
             <mc:AlternateContent xmlns:mc="http://schemas.openxmlformats.org/markup-compatibility/2006">
               <mc:Choice xmlns:v="urn:schemas-microsoft-com:vml" Requires="v">
-                <p:oleObj spid="_x0000_s2075" r:id="rId5" imgW="13002840" imgH="406080" progId="">
+                <p:oleObj spid="_x0000_s2079" r:id="rId5" imgW="13002840" imgH="406080" progId="">
                   <p:embed/>
                 </p:oleObj>
               </mc:Choice>
@@ -3118,7 +3118,7 @@
           <a:graphicData uri="http://schemas.openxmlformats.org/presentationml/2006/ole">
             <mc:AlternateContent xmlns:mc="http://schemas.openxmlformats.org/markup-compatibility/2006">
               <mc:Choice xmlns:v="urn:schemas-microsoft-com:vml" Requires="v">
-                <p:oleObj spid="_x0000_s2076" r:id="rId6" imgW="13002840" imgH="406080" progId="">
+                <p:oleObj spid="_x0000_s2080" r:id="rId6" imgW="13002840" imgH="406080" progId="">
                   <p:embed/>
                 </p:oleObj>
               </mc:Choice>
@@ -3175,7 +3175,7 @@
           <a:graphicData uri="http://schemas.openxmlformats.org/presentationml/2006/ole">
             <mc:AlternateContent xmlns:mc="http://schemas.openxmlformats.org/markup-compatibility/2006">
               <mc:Choice xmlns:v="urn:schemas-microsoft-com:vml" Requires="v">
-                <p:oleObj spid="_x0000_s2077" r:id="rId7" imgW="13002840" imgH="406080" progId="">
+                <p:oleObj spid="_x0000_s2081" r:id="rId7" imgW="13002840" imgH="406080" progId="">
                   <p:embed/>
                 </p:oleObj>
               </mc:Choice>
@@ -4091,7 +4091,7 @@
           <a:graphicData uri="http://schemas.openxmlformats.org/presentationml/2006/ole">
             <mc:AlternateContent xmlns:mc="http://schemas.openxmlformats.org/markup-compatibility/2006">
               <mc:Choice xmlns:v="urn:schemas-microsoft-com:vml" Requires="v">
-                <p:oleObj spid="_x0000_s1035" r:id="rId8" imgW="13002840" imgH="406080" progId="">
+                <p:oleObj spid="_x0000_s1037" r:id="rId8" imgW="13002840" imgH="406080" progId="">
                   <p:embed/>
                 </p:oleObj>
               </mc:Choice>
@@ -4148,7 +4148,7 @@
           <a:graphicData uri="http://schemas.openxmlformats.org/presentationml/2006/ole">
             <mc:AlternateContent xmlns:mc="http://schemas.openxmlformats.org/markup-compatibility/2006">
               <mc:Choice xmlns:v="urn:schemas-microsoft-com:vml" Requires="v">
-                <p:oleObj spid="_x0000_s1036" r:id="rId10" imgW="13002840" imgH="406080" progId="">
+                <p:oleObj spid="_x0000_s1038" r:id="rId10" imgW="13002840" imgH="406080" progId="">
                   <p:embed/>
                 </p:oleObj>
               </mc:Choice>
@@ -4320,7 +4320,7 @@
           <a:graphicData uri="http://schemas.openxmlformats.org/presentationml/2006/ole">
             <mc:AlternateContent xmlns:mc="http://schemas.openxmlformats.org/markup-compatibility/2006">
               <mc:Choice xmlns:v="urn:schemas-microsoft-com:vml" Requires="v">
-                <p:oleObj spid="_x0000_s3086" r:id="rId3" imgW="13002840" imgH="406080" progId="">
+                <p:oleObj spid="_x0000_s3088" r:id="rId3" imgW="13002840" imgH="406080" progId="">
                   <p:embed/>
                 </p:oleObj>
               </mc:Choice>
@@ -4377,7 +4377,7 @@
           <a:graphicData uri="http://schemas.openxmlformats.org/presentationml/2006/ole">
             <mc:AlternateContent xmlns:mc="http://schemas.openxmlformats.org/markup-compatibility/2006">
               <mc:Choice xmlns:v="urn:schemas-microsoft-com:vml" Requires="v">
-                <p:oleObj spid="_x0000_s3087" r:id="rId5" imgW="13002840" imgH="406080" progId="">
+                <p:oleObj spid="_x0000_s3089" r:id="rId5" imgW="13002840" imgH="406080" progId="">
                   <p:embed/>
                 </p:oleObj>
               </mc:Choice>
@@ -4737,7 +4737,7 @@
           <a:graphicData uri="http://schemas.openxmlformats.org/presentationml/2006/ole">
             <mc:AlternateContent xmlns:mc="http://schemas.openxmlformats.org/markup-compatibility/2006">
               <mc:Choice xmlns:v="urn:schemas-microsoft-com:vml" Requires="v">
-                <p:oleObj spid="_x0000_s8204" r:id="rId3" imgW="13002840" imgH="406080" progId="">
+                <p:oleObj spid="_x0000_s8206" r:id="rId3" imgW="13002840" imgH="406080" progId="">
                   <p:embed/>
                 </p:oleObj>
               </mc:Choice>
@@ -4794,7 +4794,7 @@
           <a:graphicData uri="http://schemas.openxmlformats.org/presentationml/2006/ole">
             <mc:AlternateContent xmlns:mc="http://schemas.openxmlformats.org/markup-compatibility/2006">
               <mc:Choice xmlns:v="urn:schemas-microsoft-com:vml" Requires="v">
-                <p:oleObj spid="_x0000_s8205" r:id="rId5" imgW="13002840" imgH="406080" progId="">
+                <p:oleObj spid="_x0000_s8207" r:id="rId5" imgW="13002840" imgH="406080" progId="">
                   <p:embed/>
                 </p:oleObj>
               </mc:Choice>
@@ -4919,7 +4919,7 @@
           <p:cNvPr id="6" name="ZoneTexte 5">
             <a:extLst>
               <a:ext uri="{FF2B5EF4-FFF2-40B4-BE49-F238E27FC236}">
-                <a16:creationId xmlns:a16="http://schemas.microsoft.com/office/drawing/2014/main" id="{F16D0DD9-74DB-48D6-AE74-A0D7219E3172}"/>
+                <a16:creationId xmlns:a16="http://schemas.microsoft.com/office/drawing/2014/main" xmlns="" id="{F16D0DD9-74DB-48D6-AE74-A0D7219E3172}"/>
               </a:ext>
             </a:extLst>
           </p:cNvPr>
@@ -4996,7 +4996,7 @@
           <p:cNvPr id="3" name="Image 2">
             <a:extLst>
               <a:ext uri="{FF2B5EF4-FFF2-40B4-BE49-F238E27FC236}">
-                <a16:creationId xmlns:a16="http://schemas.microsoft.com/office/drawing/2014/main" id="{CFEA1E9E-8DF5-40F1-9EFC-3BA7778F6C01}"/>
+                <a16:creationId xmlns:a16="http://schemas.microsoft.com/office/drawing/2014/main" xmlns="" id="{CFEA1E9E-8DF5-40F1-9EFC-3BA7778F6C01}"/>
               </a:ext>
             </a:extLst>
           </p:cNvPr>
@@ -5079,7 +5079,7 @@
           <a:graphicData uri="http://schemas.openxmlformats.org/presentationml/2006/ole">
             <mc:AlternateContent xmlns:mc="http://schemas.openxmlformats.org/markup-compatibility/2006">
               <mc:Choice xmlns:v="urn:schemas-microsoft-com:vml" Requires="v">
-                <p:oleObj spid="_x0000_s4127" r:id="rId3" imgW="13002840" imgH="406080" progId="">
+                <p:oleObj spid="_x0000_s4132" r:id="rId3" imgW="13002840" imgH="406080" progId="">
                   <p:embed/>
                 </p:oleObj>
               </mc:Choice>
@@ -5136,7 +5136,7 @@
           <a:graphicData uri="http://schemas.openxmlformats.org/presentationml/2006/ole">
             <mc:AlternateContent xmlns:mc="http://schemas.openxmlformats.org/markup-compatibility/2006">
               <mc:Choice xmlns:v="urn:schemas-microsoft-com:vml" Requires="v">
-                <p:oleObj spid="_x0000_s4128" r:id="rId5" imgW="13002840" imgH="406080" progId="">
+                <p:oleObj spid="_x0000_s4133" r:id="rId5" imgW="13002840" imgH="406080" progId="">
                   <p:embed/>
                 </p:oleObj>
               </mc:Choice>
@@ -5278,7 +5278,7 @@
           <a:graphicData uri="http://schemas.openxmlformats.org/presentationml/2006/ole">
             <mc:AlternateContent xmlns:mc="http://schemas.openxmlformats.org/markup-compatibility/2006">
               <mc:Choice xmlns:v="urn:schemas-microsoft-com:vml" Requires="v">
-                <p:oleObj spid="_x0000_s4129" r:id="rId6" imgW="17739360" imgH="8025120" progId="">
+                <p:oleObj spid="_x0000_s4134" r:id="rId6" imgW="17739360" imgH="8025120" progId="">
                   <p:embed/>
                 </p:oleObj>
               </mc:Choice>
@@ -5335,7 +5335,7 @@
           <a:graphicData uri="http://schemas.openxmlformats.org/presentationml/2006/ole">
             <mc:AlternateContent xmlns:mc="http://schemas.openxmlformats.org/markup-compatibility/2006">
               <mc:Choice xmlns:v="urn:schemas-microsoft-com:vml" Requires="v">
-                <p:oleObj spid="_x0000_s4130" r:id="rId8" imgW="1472760" imgH="1485360" progId="">
+                <p:oleObj spid="_x0000_s4135" r:id="rId8" imgW="1472760" imgH="1485360" progId="">
                   <p:embed/>
                 </p:oleObj>
               </mc:Choice>
@@ -5392,7 +5392,7 @@
           <a:graphicData uri="http://schemas.openxmlformats.org/presentationml/2006/ole">
             <mc:AlternateContent xmlns:mc="http://schemas.openxmlformats.org/markup-compatibility/2006">
               <mc:Choice xmlns:v="urn:schemas-microsoft-com:vml" Requires="v">
-                <p:oleObj spid="_x0000_s4131" r:id="rId10" imgW="2691720" imgH="749160" progId="">
+                <p:oleObj spid="_x0000_s4136" r:id="rId10" imgW="2691720" imgH="749160" progId="">
                   <p:embed/>
                 </p:oleObj>
               </mc:Choice>
@@ -5537,7 +5537,7 @@
           <a:graphicData uri="http://schemas.openxmlformats.org/presentationml/2006/ole">
             <mc:AlternateContent xmlns:mc="http://schemas.openxmlformats.org/markup-compatibility/2006">
               <mc:Choice xmlns:v="urn:schemas-microsoft-com:vml" Requires="v">
-                <p:oleObj spid="_x0000_s7178" r:id="rId3" imgW="13002840" imgH="406080" progId="">
+                <p:oleObj spid="_x0000_s7180" r:id="rId3" imgW="13002840" imgH="406080" progId="">
                   <p:embed/>
                 </p:oleObj>
               </mc:Choice>
@@ -5594,7 +5594,7 @@
           <a:graphicData uri="http://schemas.openxmlformats.org/presentationml/2006/ole">
             <mc:AlternateContent xmlns:mc="http://schemas.openxmlformats.org/markup-compatibility/2006">
               <mc:Choice xmlns:v="urn:schemas-microsoft-com:vml" Requires="v">
-                <p:oleObj spid="_x0000_s7179" r:id="rId5" imgW="13002840" imgH="406080" progId="">
+                <p:oleObj spid="_x0000_s7181" r:id="rId5" imgW="13002840" imgH="406080" progId="">
                   <p:embed/>
                 </p:oleObj>
               </mc:Choice>
@@ -5719,7 +5719,7 @@
           <p:cNvPr id="7" name="ZoneTexte 6">
             <a:extLst>
               <a:ext uri="{FF2B5EF4-FFF2-40B4-BE49-F238E27FC236}">
-                <a16:creationId xmlns:a16="http://schemas.microsoft.com/office/drawing/2014/main" id="{E22C0459-609A-4135-A270-B2B3A354C999}"/>
+                <a16:creationId xmlns:a16="http://schemas.microsoft.com/office/drawing/2014/main" xmlns="" id="{E22C0459-609A-4135-A270-B2B3A354C999}"/>
               </a:ext>
             </a:extLst>
           </p:cNvPr>
@@ -5885,7 +5885,7 @@
           <a:graphicData uri="http://schemas.openxmlformats.org/presentationml/2006/ole">
             <mc:AlternateContent xmlns:mc="http://schemas.openxmlformats.org/markup-compatibility/2006">
               <mc:Choice xmlns:v="urn:schemas-microsoft-com:vml" Requires="v">
-                <p:oleObj spid="_x0000_s6156" r:id="rId3" imgW="13002840" imgH="406080" progId="">
+                <p:oleObj spid="_x0000_s6158" r:id="rId3" imgW="13002840" imgH="406080" progId="">
                   <p:embed/>
                 </p:oleObj>
               </mc:Choice>
@@ -5942,7 +5942,7 @@
           <a:graphicData uri="http://schemas.openxmlformats.org/presentationml/2006/ole">
             <mc:AlternateContent xmlns:mc="http://schemas.openxmlformats.org/markup-compatibility/2006">
               <mc:Choice xmlns:v="urn:schemas-microsoft-com:vml" Requires="v">
-                <p:oleObj spid="_x0000_s6157" r:id="rId5" imgW="13002840" imgH="406080" progId="">
+                <p:oleObj spid="_x0000_s6159" r:id="rId5" imgW="13002840" imgH="406080" progId="">
                   <p:embed/>
                 </p:oleObj>
               </mc:Choice>
@@ -6320,7 +6320,7 @@
           <a:graphicData uri="http://schemas.openxmlformats.org/presentationml/2006/ole">
             <mc:AlternateContent xmlns:mc="http://schemas.openxmlformats.org/markup-compatibility/2006">
               <mc:Choice xmlns:v="urn:schemas-microsoft-com:vml" Requires="v">
-                <p:oleObj spid="_x0000_s5130" r:id="rId3" imgW="13002840" imgH="406080" progId="">
+                <p:oleObj spid="_x0000_s5132" r:id="rId3" imgW="13002840" imgH="406080" progId="">
                   <p:embed/>
                 </p:oleObj>
               </mc:Choice>
@@ -6377,7 +6377,7 @@
           <a:graphicData uri="http://schemas.openxmlformats.org/presentationml/2006/ole">
             <mc:AlternateContent xmlns:mc="http://schemas.openxmlformats.org/markup-compatibility/2006">
               <mc:Choice xmlns:v="urn:schemas-microsoft-com:vml" Requires="v">
-                <p:oleObj spid="_x0000_s5131" r:id="rId5" imgW="13002840" imgH="406080" progId="">
+                <p:oleObj spid="_x0000_s5133" r:id="rId5" imgW="13002840" imgH="406080" progId="">
                   <p:embed/>
                 </p:oleObj>
               </mc:Choice>
@@ -6506,14 +6506,14 @@
           <p:nvPr>
             <p:extLst>
               <p:ext uri="{D42A27DB-BD31-4B8C-83A1-F6EECF244321}">
-                <p14:modId xmlns:p14="http://schemas.microsoft.com/office/powerpoint/2010/main" val="410726612"/>
+                <p14:modId xmlns:p14="http://schemas.microsoft.com/office/powerpoint/2010/main" val="2614414227"/>
               </p:ext>
             </p:extLst>
           </p:nvPr>
         </p:nvGraphicFramePr>
         <p:xfrm>
           <a:off x="2044914" y="1458655"/>
-          <a:ext cx="8128000" cy="4439920"/>
+          <a:ext cx="8128000" cy="3698240"/>
         </p:xfrm>
         <a:graphic>
           <a:graphicData uri="http://schemas.openxmlformats.org/drawingml/2006/table">
@@ -6532,21 +6532,21 @@
                 <a:gridCol w="369328">
                   <a:extLst>
                     <a:ext uri="{9D8B030D-6E8A-4147-A177-3AD203B41FA5}">
-                      <a16:colId xmlns:a16="http://schemas.microsoft.com/office/drawing/2014/main" val="1734895218"/>
+                      <a16:colId xmlns:a16="http://schemas.microsoft.com/office/drawing/2014/main" xmlns="" val="1734895218"/>
                     </a:ext>
                   </a:extLst>
                 </a:gridCol>
                 <a:gridCol w="5835236">
                   <a:extLst>
                     <a:ext uri="{9D8B030D-6E8A-4147-A177-3AD203B41FA5}">
-                      <a16:colId xmlns:a16="http://schemas.microsoft.com/office/drawing/2014/main" val="908248774"/>
+                      <a16:colId xmlns:a16="http://schemas.microsoft.com/office/drawing/2014/main" xmlns="" val="908248774"/>
                     </a:ext>
                   </a:extLst>
                 </a:gridCol>
                 <a:gridCol w="1923436">
                   <a:extLst>
                     <a:ext uri="{9D8B030D-6E8A-4147-A177-3AD203B41FA5}">
-                      <a16:colId xmlns:a16="http://schemas.microsoft.com/office/drawing/2014/main" val="2529677039"/>
+                      <a16:colId xmlns:a16="http://schemas.microsoft.com/office/drawing/2014/main" xmlns="" val="2529677039"/>
                     </a:ext>
                   </a:extLst>
                 </a:gridCol>
@@ -6637,7 +6637,7 @@
                 </a:tc>
                 <a:extLst>
                   <a:ext uri="{0D108BD9-81ED-4DB2-BD59-A6C34878D82A}">
-                    <a16:rowId xmlns:a16="http://schemas.microsoft.com/office/drawing/2014/main" val="744536208"/>
+                    <a16:rowId xmlns:a16="http://schemas.microsoft.com/office/drawing/2014/main" xmlns="" val="744536208"/>
                   </a:ext>
                 </a:extLst>
               </a:tr>
@@ -6691,7 +6691,7 @@
                     <a:p>
                       <a:pPr algn="r"/>
                       <a:r>
-                        <a:rPr lang="fr-FR" b="0" dirty="0">
+                        <a:rPr lang="fr-FR" b="0" dirty="0" smtClean="0">
                           <a:solidFill>
                             <a:schemeClr val="tx1">
                               <a:lumMod val="65000"/>
@@ -6700,8 +6700,17 @@
                           </a:solidFill>
                           <a:latin typeface="+mn-lt"/>
                         </a:rPr>
-                        <a:t>4000€</a:t>
+                        <a:t>6250€</a:t>
                       </a:r>
+                      <a:endParaRPr lang="fr-FR" b="0" dirty="0">
+                        <a:solidFill>
+                          <a:schemeClr val="tx1">
+                            <a:lumMod val="65000"/>
+                            <a:lumOff val="35000"/>
+                          </a:schemeClr>
+                        </a:solidFill>
+                        <a:latin typeface="+mn-lt"/>
+                      </a:endParaRPr>
                     </a:p>
                   </a:txBody>
                   <a:tcPr>
@@ -6721,7 +6730,7 @@
                 </a:tc>
                 <a:extLst>
                   <a:ext uri="{0D108BD9-81ED-4DB2-BD59-A6C34878D82A}">
-                    <a16:rowId xmlns:a16="http://schemas.microsoft.com/office/drawing/2014/main" val="2523755799"/>
+                    <a16:rowId xmlns:a16="http://schemas.microsoft.com/office/drawing/2014/main" xmlns="" val="2523755799"/>
                   </a:ext>
                 </a:extLst>
               </a:tr>
@@ -6824,7 +6833,7 @@
                 </a:tc>
                 <a:extLst>
                   <a:ext uri="{0D108BD9-81ED-4DB2-BD59-A6C34878D82A}">
-                    <a16:rowId xmlns:a16="http://schemas.microsoft.com/office/drawing/2014/main" val="1214565585"/>
+                    <a16:rowId xmlns:a16="http://schemas.microsoft.com/office/drawing/2014/main" xmlns="" val="1214565585"/>
                   </a:ext>
                 </a:extLst>
               </a:tr>
@@ -6898,7 +6907,7 @@
                         <a:defRPr/>
                       </a:pPr>
                       <a:r>
-                        <a:rPr lang="fr-FR" sz="1600" b="0" dirty="0">
+                        <a:rPr lang="fr-FR" sz="1600" b="0" dirty="0" smtClean="0">
                           <a:solidFill>
                             <a:schemeClr val="tx1">
                               <a:lumMod val="65000"/>
@@ -6907,8 +6916,17 @@
                           </a:solidFill>
                           <a:latin typeface="+mn-lt"/>
                         </a:rPr>
-                        <a:t>Multijoueur</a:t>
+                        <a:t>Menu</a:t>
                       </a:r>
+                      <a:endParaRPr lang="fr-FR" sz="1600" b="0" dirty="0">
+                        <a:solidFill>
+                          <a:schemeClr val="tx1">
+                            <a:lumMod val="65000"/>
+                            <a:lumOff val="35000"/>
+                          </a:schemeClr>
+                        </a:solidFill>
+                        <a:latin typeface="+mn-lt"/>
+                      </a:endParaRPr>
                     </a:p>
                   </a:txBody>
                   <a:tcPr>
@@ -6924,7 +6942,7 @@
                     <a:p>
                       <a:pPr algn="r"/>
                       <a:r>
-                        <a:rPr lang="fr-FR" b="0" dirty="0">
+                        <a:rPr lang="fr-FR" b="0" dirty="0" smtClean="0">
                           <a:solidFill>
                             <a:schemeClr val="tx1">
                               <a:lumMod val="65000"/>
@@ -6933,8 +6951,17 @@
                           </a:solidFill>
                           <a:latin typeface="+mn-lt"/>
                         </a:rPr>
-                        <a:t>1200€</a:t>
+                        <a:t>1000€</a:t>
                       </a:r>
+                      <a:endParaRPr lang="fr-FR" b="0" dirty="0">
+                        <a:solidFill>
+                          <a:schemeClr val="tx1">
+                            <a:lumMod val="65000"/>
+                            <a:lumOff val="35000"/>
+                          </a:schemeClr>
+                        </a:solidFill>
+                        <a:latin typeface="+mn-lt"/>
+                      </a:endParaRPr>
                     </a:p>
                   </a:txBody>
                   <a:tcPr>
@@ -6954,7 +6981,7 @@
                 </a:tc>
                 <a:extLst>
                   <a:ext uri="{0D108BD9-81ED-4DB2-BD59-A6C34878D82A}">
-                    <a16:rowId xmlns:a16="http://schemas.microsoft.com/office/drawing/2014/main" val="1826921360"/>
+                    <a16:rowId xmlns:a16="http://schemas.microsoft.com/office/drawing/2014/main" xmlns="" val="1826921360"/>
                   </a:ext>
                 </a:extLst>
               </a:tr>
@@ -7028,7 +7055,7 @@
                         <a:defRPr/>
                       </a:pPr>
                       <a:r>
-                        <a:rPr lang="fr-FR" sz="1600" b="0" dirty="0" err="1">
+                        <a:rPr lang="fr-FR" sz="1600" b="0" dirty="0" smtClean="0">
                           <a:solidFill>
                             <a:schemeClr val="tx1">
                               <a:lumMod val="65000"/>
@@ -7037,20 +7064,17 @@
                           </a:solidFill>
                           <a:latin typeface="+mn-lt"/>
                         </a:rPr>
-                        <a:t>Mods</a:t>
+                        <a:t>Musique / Bruitages</a:t>
                       </a:r>
-                      <a:r>
-                        <a:rPr lang="fr-FR" sz="1600" b="0" dirty="0">
-                          <a:solidFill>
-                            <a:schemeClr val="tx1">
-                              <a:lumMod val="65000"/>
-                              <a:lumOff val="35000"/>
-                            </a:schemeClr>
-                          </a:solidFill>
-                          <a:latin typeface="+mn-lt"/>
-                        </a:rPr>
-                        <a:t>/Cartes</a:t>
-                      </a:r>
+                      <a:endParaRPr lang="fr-FR" sz="1600" b="0" dirty="0">
+                        <a:solidFill>
+                          <a:schemeClr val="tx1">
+                            <a:lumMod val="65000"/>
+                            <a:lumOff val="35000"/>
+                          </a:schemeClr>
+                        </a:solidFill>
+                        <a:latin typeface="+mn-lt"/>
+                      </a:endParaRPr>
                     </a:p>
                   </a:txBody>
                   <a:tcPr>
@@ -7068,7 +7092,7 @@
                     <a:p>
                       <a:pPr algn="r"/>
                       <a:r>
-                        <a:rPr lang="fr-FR" b="0" dirty="0">
+                        <a:rPr lang="fr-FR" b="0" dirty="0" smtClean="0">
                           <a:solidFill>
                             <a:schemeClr val="tx1">
                               <a:lumMod val="65000"/>
@@ -7077,8 +7101,17 @@
                           </a:solidFill>
                           <a:latin typeface="+mn-lt"/>
                         </a:rPr>
-                        <a:t>700€</a:t>
+                        <a:t>1500€</a:t>
                       </a:r>
+                      <a:endParaRPr lang="fr-FR" b="0" dirty="0">
+                        <a:solidFill>
+                          <a:schemeClr val="tx1">
+                            <a:lumMod val="65000"/>
+                            <a:lumOff val="35000"/>
+                          </a:schemeClr>
+                        </a:solidFill>
+                        <a:latin typeface="+mn-lt"/>
+                      </a:endParaRPr>
                     </a:p>
                   </a:txBody>
                   <a:tcPr>
@@ -7098,7 +7131,7 @@
                 </a:tc>
                 <a:extLst>
                   <a:ext uri="{0D108BD9-81ED-4DB2-BD59-A6C34878D82A}">
-                    <a16:rowId xmlns:a16="http://schemas.microsoft.com/office/drawing/2014/main" val="2932840409"/>
+                    <a16:rowId xmlns:a16="http://schemas.microsoft.com/office/drawing/2014/main" xmlns="" val="2932840409"/>
                   </a:ext>
                 </a:extLst>
               </a:tr>
@@ -7193,7 +7226,19 @@
                           </a:solidFill>
                           <a:latin typeface="+mn-lt"/>
                         </a:rPr>
-                        <a:t> de missions de différents types</a:t>
+                        <a:t> </a:t>
+                      </a:r>
+                      <a:r>
+                        <a:rPr lang="fr-FR" sz="1600" b="0" baseline="0" dirty="0" smtClean="0">
+                          <a:solidFill>
+                            <a:schemeClr val="tx1">
+                              <a:lumMod val="65000"/>
+                              <a:lumOff val="35000"/>
+                            </a:schemeClr>
+                          </a:solidFill>
+                          <a:latin typeface="+mn-lt"/>
+                        </a:rPr>
+                        <a:t>de niveau</a:t>
                       </a:r>
                       <a:endParaRPr lang="fr-FR" sz="1600" b="0" dirty="0">
                         <a:solidFill>
@@ -7219,7 +7264,7 @@
                     <a:p>
                       <a:pPr algn="r"/>
                       <a:r>
-                        <a:rPr lang="fr-FR" b="0" dirty="0">
+                        <a:rPr lang="fr-FR" b="0" dirty="0" smtClean="0">
                           <a:solidFill>
                             <a:schemeClr val="tx1">
                               <a:lumMod val="65000"/>
@@ -7228,8 +7273,17 @@
                           </a:solidFill>
                           <a:latin typeface="+mn-lt"/>
                         </a:rPr>
-                        <a:t>240€/types</a:t>
+                        <a:t>100€/niveau</a:t>
                       </a:r>
+                      <a:endParaRPr lang="fr-FR" b="0" dirty="0">
+                        <a:solidFill>
+                          <a:schemeClr val="tx1">
+                            <a:lumMod val="65000"/>
+                            <a:lumOff val="35000"/>
+                          </a:schemeClr>
+                        </a:solidFill>
+                        <a:latin typeface="+mn-lt"/>
+                      </a:endParaRPr>
                     </a:p>
                   </a:txBody>
                   <a:tcPr>
@@ -7249,7 +7303,205 @@
                 </a:tc>
                 <a:extLst>
                   <a:ext uri="{0D108BD9-81ED-4DB2-BD59-A6C34878D82A}">
-                    <a16:rowId xmlns:a16="http://schemas.microsoft.com/office/drawing/2014/main" val="3736278046"/>
+                    <a16:rowId xmlns:a16="http://schemas.microsoft.com/office/drawing/2014/main" xmlns="" val="3736278046"/>
+                  </a:ext>
+                </a:extLst>
+              </a:tr>
+              <a:tr h="347953">
+                <a:tc>
+                  <a:txBody>
+                    <a:bodyPr/>
+                    <a:lstStyle/>
+                    <a:p>
+                      <a:pPr marL="0" marR="0" lvl="0" indent="0" algn="l" defTabSz="914400" rtl="0" eaLnBrk="1" fontAlgn="auto" latinLnBrk="0" hangingPunct="1">
+                        <a:lnSpc>
+                          <a:spcPct val="100000"/>
+                        </a:lnSpc>
+                        <a:spcBef>
+                          <a:spcPts val="0"/>
+                        </a:spcBef>
+                        <a:spcAft>
+                          <a:spcPts val="0"/>
+                        </a:spcAft>
+                        <a:buClrTx/>
+                        <a:buSzTx/>
+                        <a:buFontTx/>
+                        <a:buNone/>
+                        <a:tabLst/>
+                        <a:defRPr/>
+                      </a:pPr>
+                      <a:endParaRPr lang="fr-FR" b="0" dirty="0">
+                        <a:solidFill>
+                          <a:schemeClr val="tx1">
+                            <a:lumMod val="65000"/>
+                            <a:lumOff val="35000"/>
+                          </a:schemeClr>
+                        </a:solidFill>
+                        <a:latin typeface="+mn-lt"/>
+                      </a:endParaRPr>
+                    </a:p>
+                  </a:txBody>
+                  <a:tcPr>
+                    <a:lnL w="12700" cap="flat" cmpd="sng" algn="ctr">
+                      <a:noFill/>
+                      <a:prstDash val="solid"/>
+                      <a:round/>
+                      <a:headEnd type="none" w="med" len="med"/>
+                      <a:tailEnd type="none" w="med" len="med"/>
+                    </a:lnL>
+                    <a:solidFill>
+                      <a:schemeClr val="bg1"/>
+                    </a:solidFill>
+                  </a:tcPr>
+                </a:tc>
+                <a:tc>
+                  <a:txBody>
+                    <a:bodyPr/>
+                    <a:lstStyle/>
+                    <a:p>
+                      <a:pPr marL="0" marR="0" lvl="0" indent="0" algn="l" defTabSz="914400" rtl="0" eaLnBrk="1" fontAlgn="auto" latinLnBrk="0" hangingPunct="1">
+                        <a:lnSpc>
+                          <a:spcPct val="100000"/>
+                        </a:lnSpc>
+                        <a:spcBef>
+                          <a:spcPts val="0"/>
+                        </a:spcBef>
+                        <a:spcAft>
+                          <a:spcPts val="0"/>
+                        </a:spcAft>
+                        <a:buClrTx/>
+                        <a:buSzTx/>
+                        <a:buFontTx/>
+                        <a:buNone/>
+                        <a:tabLst/>
+                        <a:defRPr/>
+                      </a:pPr>
+                      <a:r>
+                        <a:rPr lang="fr-FR" sz="1600" b="0" dirty="0" smtClean="0">
+                          <a:solidFill>
+                            <a:schemeClr val="tx1">
+                              <a:lumMod val="65000"/>
+                              <a:lumOff val="35000"/>
+                            </a:schemeClr>
+                          </a:solidFill>
+                          <a:latin typeface="+mn-lt"/>
+                        </a:rPr>
+                        <a:t>Bonus</a:t>
+                      </a:r>
+                      <a:r>
+                        <a:rPr lang="fr-FR" sz="1600" b="0" baseline="0" dirty="0" smtClean="0">
+                          <a:solidFill>
+                            <a:schemeClr val="tx1">
+                              <a:lumMod val="65000"/>
+                              <a:lumOff val="35000"/>
+                            </a:schemeClr>
+                          </a:solidFill>
+                          <a:latin typeface="+mn-lt"/>
+                        </a:rPr>
+                        <a:t> pour la balle</a:t>
+                      </a:r>
+                      <a:endParaRPr lang="fr-FR" sz="1600" b="0" dirty="0">
+                        <a:solidFill>
+                          <a:schemeClr val="tx1">
+                            <a:lumMod val="65000"/>
+                            <a:lumOff val="35000"/>
+                          </a:schemeClr>
+                        </a:solidFill>
+                        <a:latin typeface="+mn-lt"/>
+                      </a:endParaRPr>
+                    </a:p>
+                  </a:txBody>
+                  <a:tcPr>
+                    <a:solidFill>
+                      <a:schemeClr val="bg1">
+                        <a:lumMod val="95000"/>
+                      </a:schemeClr>
+                    </a:solidFill>
+                  </a:tcPr>
+                </a:tc>
+                <a:tc>
+                  <a:txBody>
+                    <a:bodyPr/>
+                    <a:lstStyle/>
+                    <a:p>
+                      <a:pPr algn="r"/>
+                      <a:r>
+                        <a:rPr lang="fr-FR" b="0" dirty="0">
+                          <a:solidFill>
+                            <a:schemeClr val="tx1">
+                              <a:lumMod val="65000"/>
+                              <a:lumOff val="35000"/>
+                            </a:schemeClr>
+                          </a:solidFill>
+                          <a:latin typeface="+mn-lt"/>
+                        </a:rPr>
+                        <a:t>2</a:t>
+                      </a:r>
+                      <a:r>
+                        <a:rPr lang="fr-FR" b="0" dirty="0" smtClean="0">
+                          <a:solidFill>
+                            <a:schemeClr val="tx1">
+                              <a:lumMod val="65000"/>
+                              <a:lumOff val="35000"/>
+                            </a:schemeClr>
+                          </a:solidFill>
+                          <a:latin typeface="+mn-lt"/>
+                        </a:rPr>
+                        <a:t>00</a:t>
+                      </a:r>
+                      <a:r>
+                        <a:rPr lang="fr-FR" b="0" dirty="0">
+                          <a:solidFill>
+                            <a:schemeClr val="tx1">
+                              <a:lumMod val="65000"/>
+                              <a:lumOff val="35000"/>
+                            </a:schemeClr>
+                          </a:solidFill>
+                          <a:latin typeface="+mn-lt"/>
+                        </a:rPr>
+                        <a:t>€</a:t>
+                      </a:r>
+                      <a:r>
+                        <a:rPr lang="fr-FR" b="0" dirty="0" smtClean="0">
+                          <a:solidFill>
+                            <a:schemeClr val="tx1">
+                              <a:lumMod val="65000"/>
+                              <a:lumOff val="35000"/>
+                            </a:schemeClr>
+                          </a:solidFill>
+                          <a:latin typeface="+mn-lt"/>
+                        </a:rPr>
+                        <a:t>/bonus</a:t>
+                      </a:r>
+                      <a:endParaRPr lang="fr-FR" b="0" dirty="0">
+                        <a:solidFill>
+                          <a:schemeClr val="tx1">
+                            <a:lumMod val="65000"/>
+                            <a:lumOff val="35000"/>
+                          </a:schemeClr>
+                        </a:solidFill>
+                        <a:latin typeface="+mn-lt"/>
+                      </a:endParaRPr>
+                    </a:p>
+                  </a:txBody>
+                  <a:tcPr>
+                    <a:lnR w="12700" cap="flat" cmpd="sng" algn="ctr">
+                      <a:noFill/>
+                      <a:prstDash val="solid"/>
+                      <a:round/>
+                      <a:headEnd type="none" w="med" len="med"/>
+                      <a:tailEnd type="none" w="med" len="med"/>
+                    </a:lnR>
+                    <a:solidFill>
+                      <a:schemeClr val="bg1">
+                        <a:lumMod val="95000"/>
+                      </a:schemeClr>
+                    </a:solidFill>
+                  </a:tcPr>
+                </a:tc>
+                <a:extLst>
+                  <a:ext uri="{0D108BD9-81ED-4DB2-BD59-A6C34878D82A}">
+                    <a16:rowId xmlns:a16="http://schemas.microsoft.com/office/drawing/2014/main" xmlns="" val="2493942223"/>
                   </a:ext>
                 </a:extLst>
               </a:tr>
@@ -7323,7 +7575,7 @@
                         <a:defRPr/>
                       </a:pPr>
                       <a:r>
-                        <a:rPr lang="fr-FR" sz="1600" b="0" dirty="0">
+                        <a:rPr lang="fr-FR" sz="1600" b="0" baseline="0" dirty="0" smtClean="0">
                           <a:solidFill>
                             <a:schemeClr val="tx1">
                               <a:lumMod val="65000"/>
@@ -7332,19 +7584,7 @@
                           </a:solidFill>
                           <a:latin typeface="+mn-lt"/>
                         </a:rPr>
-                        <a:t>Véhicules</a:t>
-                      </a:r>
-                      <a:r>
-                        <a:rPr lang="fr-FR" sz="1600" b="0" baseline="0" dirty="0">
-                          <a:solidFill>
-                            <a:schemeClr val="tx1">
-                              <a:lumMod val="65000"/>
-                              <a:lumOff val="35000"/>
-                            </a:schemeClr>
-                          </a:solidFill>
-                          <a:latin typeface="+mn-lt"/>
-                        </a:rPr>
-                        <a:t> additionnels</a:t>
+                        <a:t>Système de vie</a:t>
                       </a:r>
                       <a:endParaRPr lang="fr-FR" sz="1600" b="0" dirty="0">
                         <a:solidFill>
@@ -7359,9 +7599,7 @@
                   </a:txBody>
                   <a:tcPr>
                     <a:solidFill>
-                      <a:schemeClr val="bg1">
-                        <a:lumMod val="95000"/>
-                      </a:schemeClr>
+                      <a:schemeClr val="bg1"/>
                     </a:solidFill>
                   </a:tcPr>
                 </a:tc>
@@ -7370,7 +7608,35 @@
                     <a:bodyPr/>
                     <a:lstStyle/>
                     <a:p>
-                      <a:pPr algn="r"/>
+                      <a:pPr marL="0" marR="0" lvl="0" indent="0" algn="r" defTabSz="914400" rtl="0" eaLnBrk="1" fontAlgn="auto" latinLnBrk="0" hangingPunct="1">
+                        <a:lnSpc>
+                          <a:spcPct val="100000"/>
+                        </a:lnSpc>
+                        <a:spcBef>
+                          <a:spcPts val="0"/>
+                        </a:spcBef>
+                        <a:spcAft>
+                          <a:spcPts val="0"/>
+                        </a:spcAft>
+                        <a:buClrTx/>
+                        <a:buSzTx/>
+                        <a:buFontTx/>
+                        <a:buNone/>
+                        <a:tabLst/>
+                        <a:defRPr/>
+                      </a:pPr>
+                      <a:r>
+                        <a:rPr lang="fr-FR" b="0" dirty="0" smtClean="0">
+                          <a:solidFill>
+                            <a:schemeClr val="tx1">
+                              <a:lumMod val="65000"/>
+                              <a:lumOff val="35000"/>
+                            </a:schemeClr>
+                          </a:solidFill>
+                          <a:latin typeface="+mn-lt"/>
+                        </a:rPr>
+                        <a:t>300</a:t>
+                      </a:r>
                       <a:r>
                         <a:rPr lang="fr-FR" b="0" dirty="0">
                           <a:solidFill>
@@ -7381,7 +7647,7 @@
                           </a:solidFill>
                           <a:latin typeface="+mn-lt"/>
                         </a:rPr>
-                        <a:t>300€/types</a:t>
+                        <a:t>€</a:t>
                       </a:r>
                     </a:p>
                   </a:txBody>
@@ -7402,7 +7668,7 @@
                 </a:tc>
                 <a:extLst>
                   <a:ext uri="{0D108BD9-81ED-4DB2-BD59-A6C34878D82A}">
-                    <a16:rowId xmlns:a16="http://schemas.microsoft.com/office/drawing/2014/main" val="2493942223"/>
+                    <a16:rowId xmlns:a16="http://schemas.microsoft.com/office/drawing/2014/main" xmlns="" val="3752774149"/>
                   </a:ext>
                 </a:extLst>
               </a:tr>
@@ -7476,7 +7742,7 @@
                         <a:defRPr/>
                       </a:pPr>
                       <a:r>
-                        <a:rPr lang="fr-FR" sz="1600" b="0" baseline="0" dirty="0">
+                        <a:rPr lang="fr-FR" sz="1600" b="0" dirty="0" smtClean="0">
                           <a:solidFill>
                             <a:schemeClr val="tx1">
                               <a:lumMod val="65000"/>
@@ -7485,7 +7751,7 @@
                           </a:solidFill>
                           <a:latin typeface="+mn-lt"/>
                         </a:rPr>
-                        <a:t>Scénario</a:t>
+                        <a:t>Score</a:t>
                       </a:r>
                       <a:endParaRPr lang="fr-FR" sz="1600" b="0" dirty="0">
                         <a:solidFill>
@@ -7500,7 +7766,9 @@
                   </a:txBody>
                   <a:tcPr>
                     <a:solidFill>
-                      <a:schemeClr val="bg1"/>
+                      <a:schemeClr val="bg1">
+                        <a:lumMod val="95000"/>
+                      </a:schemeClr>
                     </a:solidFill>
                   </a:tcPr>
                 </a:tc>
@@ -7509,23 +7777,19 @@
                     <a:bodyPr/>
                     <a:lstStyle/>
                     <a:p>
-                      <a:pPr marL="0" marR="0" lvl="0" indent="0" algn="r" defTabSz="914400" rtl="0" eaLnBrk="1" fontAlgn="auto" latinLnBrk="0" hangingPunct="1">
-                        <a:lnSpc>
-                          <a:spcPct val="100000"/>
-                        </a:lnSpc>
-                        <a:spcBef>
-                          <a:spcPts val="0"/>
-                        </a:spcBef>
-                        <a:spcAft>
-                          <a:spcPts val="0"/>
-                        </a:spcAft>
-                        <a:buClrTx/>
-                        <a:buSzTx/>
-                        <a:buFontTx/>
-                        <a:buNone/>
-                        <a:tabLst/>
-                        <a:defRPr/>
-                      </a:pPr>
+                      <a:pPr algn="r"/>
+                      <a:r>
+                        <a:rPr lang="fr-FR" b="0" dirty="0" smtClean="0">
+                          <a:solidFill>
+                            <a:schemeClr val="tx1">
+                              <a:lumMod val="65000"/>
+                              <a:lumOff val="35000"/>
+                            </a:schemeClr>
+                          </a:solidFill>
+                          <a:latin typeface="+mn-lt"/>
+                        </a:rPr>
+                        <a:t>300</a:t>
+                      </a:r>
                       <a:r>
                         <a:rPr lang="fr-FR" b="0" dirty="0">
                           <a:solidFill>
@@ -7536,7 +7800,7 @@
                           </a:solidFill>
                           <a:latin typeface="+mn-lt"/>
                         </a:rPr>
-                        <a:t>1000€</a:t>
+                        <a:t>€</a:t>
                       </a:r>
                     </a:p>
                   </a:txBody>
@@ -7557,290 +7821,7 @@
                 </a:tc>
                 <a:extLst>
                   <a:ext uri="{0D108BD9-81ED-4DB2-BD59-A6C34878D82A}">
-                    <a16:rowId xmlns:a16="http://schemas.microsoft.com/office/drawing/2014/main" val="3752774149"/>
-                  </a:ext>
-                </a:extLst>
-              </a:tr>
-              <a:tr h="370840">
-                <a:tc>
-                  <a:txBody>
-                    <a:bodyPr/>
-                    <a:lstStyle/>
-                    <a:p>
-                      <a:pPr marL="0" marR="0" lvl="0" indent="0" algn="l" defTabSz="914400" rtl="0" eaLnBrk="1" fontAlgn="auto" latinLnBrk="0" hangingPunct="1">
-                        <a:lnSpc>
-                          <a:spcPct val="100000"/>
-                        </a:lnSpc>
-                        <a:spcBef>
-                          <a:spcPts val="0"/>
-                        </a:spcBef>
-                        <a:spcAft>
-                          <a:spcPts val="0"/>
-                        </a:spcAft>
-                        <a:buClrTx/>
-                        <a:buSzTx/>
-                        <a:buFontTx/>
-                        <a:buNone/>
-                        <a:tabLst/>
-                        <a:defRPr/>
-                      </a:pPr>
-                      <a:endParaRPr lang="fr-FR" b="0" dirty="0">
-                        <a:solidFill>
-                          <a:schemeClr val="tx1">
-                            <a:lumMod val="65000"/>
-                            <a:lumOff val="35000"/>
-                          </a:schemeClr>
-                        </a:solidFill>
-                        <a:latin typeface="+mn-lt"/>
-                      </a:endParaRPr>
-                    </a:p>
-                  </a:txBody>
-                  <a:tcPr>
-                    <a:lnL w="12700" cap="flat" cmpd="sng" algn="ctr">
-                      <a:noFill/>
-                      <a:prstDash val="solid"/>
-                      <a:round/>
-                      <a:headEnd type="none" w="med" len="med"/>
-                      <a:tailEnd type="none" w="med" len="med"/>
-                    </a:lnL>
-                    <a:solidFill>
-                      <a:schemeClr val="bg1"/>
-                    </a:solidFill>
-                  </a:tcPr>
-                </a:tc>
-                <a:tc>
-                  <a:txBody>
-                    <a:bodyPr/>
-                    <a:lstStyle/>
-                    <a:p>
-                      <a:pPr marL="0" marR="0" lvl="0" indent="0" algn="l" defTabSz="914400" rtl="0" eaLnBrk="1" fontAlgn="auto" latinLnBrk="0" hangingPunct="1">
-                        <a:lnSpc>
-                          <a:spcPct val="100000"/>
-                        </a:lnSpc>
-                        <a:spcBef>
-                          <a:spcPts val="0"/>
-                        </a:spcBef>
-                        <a:spcAft>
-                          <a:spcPts val="0"/>
-                        </a:spcAft>
-                        <a:buClrTx/>
-                        <a:buSzTx/>
-                        <a:buFontTx/>
-                        <a:buNone/>
-                        <a:tabLst/>
-                        <a:defRPr/>
-                      </a:pPr>
-                      <a:r>
-                        <a:rPr lang="fr-FR" sz="1600" b="0" dirty="0">
-                          <a:solidFill>
-                            <a:schemeClr val="tx1">
-                              <a:lumMod val="65000"/>
-                              <a:lumOff val="35000"/>
-                            </a:schemeClr>
-                          </a:solidFill>
-                          <a:latin typeface="+mn-lt"/>
-                        </a:rPr>
-                        <a:t>Support complet Mac OS et Linux</a:t>
-                      </a:r>
-                    </a:p>
-                  </a:txBody>
-                  <a:tcPr>
-                    <a:solidFill>
-                      <a:schemeClr val="bg1">
-                        <a:lumMod val="95000"/>
-                      </a:schemeClr>
-                    </a:solidFill>
-                  </a:tcPr>
-                </a:tc>
-                <a:tc>
-                  <a:txBody>
-                    <a:bodyPr/>
-                    <a:lstStyle/>
-                    <a:p>
-                      <a:pPr algn="r"/>
-                      <a:r>
-                        <a:rPr lang="fr-FR" b="0" dirty="0">
-                          <a:solidFill>
-                            <a:schemeClr val="tx1">
-                              <a:lumMod val="65000"/>
-                              <a:lumOff val="35000"/>
-                            </a:schemeClr>
-                          </a:solidFill>
-                          <a:latin typeface="+mn-lt"/>
-                        </a:rPr>
-                        <a:t>2000€</a:t>
-                      </a:r>
-                    </a:p>
-                  </a:txBody>
-                  <a:tcPr>
-                    <a:lnR w="12700" cap="flat" cmpd="sng" algn="ctr">
-                      <a:noFill/>
-                      <a:prstDash val="solid"/>
-                      <a:round/>
-                      <a:headEnd type="none" w="med" len="med"/>
-                      <a:tailEnd type="none" w="med" len="med"/>
-                    </a:lnR>
-                    <a:solidFill>
-                      <a:schemeClr val="bg1">
-                        <a:lumMod val="95000"/>
-                      </a:schemeClr>
-                    </a:solidFill>
-                  </a:tcPr>
-                </a:tc>
-                <a:extLst>
-                  <a:ext uri="{0D108BD9-81ED-4DB2-BD59-A6C34878D82A}">
-                    <a16:rowId xmlns:a16="http://schemas.microsoft.com/office/drawing/2014/main" val="2900576377"/>
-                  </a:ext>
-                </a:extLst>
-              </a:tr>
-              <a:tr h="370840">
-                <a:tc>
-                  <a:txBody>
-                    <a:bodyPr/>
-                    <a:lstStyle/>
-                    <a:p>
-                      <a:pPr marL="0" marR="0" lvl="0" indent="0" algn="l" defTabSz="914400" rtl="0" eaLnBrk="1" fontAlgn="auto" latinLnBrk="0" hangingPunct="1">
-                        <a:lnSpc>
-                          <a:spcPct val="100000"/>
-                        </a:lnSpc>
-                        <a:spcBef>
-                          <a:spcPts val="0"/>
-                        </a:spcBef>
-                        <a:spcAft>
-                          <a:spcPts val="0"/>
-                        </a:spcAft>
-                        <a:buClrTx/>
-                        <a:buSzTx/>
-                        <a:buFontTx/>
-                        <a:buNone/>
-                        <a:tabLst/>
-                        <a:defRPr/>
-                      </a:pPr>
-                      <a:endParaRPr lang="fr-FR" b="0" dirty="0">
-                        <a:solidFill>
-                          <a:schemeClr val="tx1">
-                            <a:lumMod val="65000"/>
-                            <a:lumOff val="35000"/>
-                          </a:schemeClr>
-                        </a:solidFill>
-                        <a:latin typeface="+mn-lt"/>
-                      </a:endParaRPr>
-                    </a:p>
-                  </a:txBody>
-                  <a:tcPr>
-                    <a:lnL w="12700" cap="flat" cmpd="sng" algn="ctr">
-                      <a:noFill/>
-                      <a:prstDash val="solid"/>
-                      <a:round/>
-                      <a:headEnd type="none" w="med" len="med"/>
-                      <a:tailEnd type="none" w="med" len="med"/>
-                    </a:lnL>
-                    <a:solidFill>
-                      <a:schemeClr val="bg1"/>
-                    </a:solidFill>
-                  </a:tcPr>
-                </a:tc>
-                <a:tc>
-                  <a:txBody>
-                    <a:bodyPr/>
-                    <a:lstStyle/>
-                    <a:p>
-                      <a:pPr marL="0" marR="0" lvl="0" indent="0" algn="l" defTabSz="914400" rtl="0" eaLnBrk="1" fontAlgn="auto" latinLnBrk="0" hangingPunct="1">
-                        <a:lnSpc>
-                          <a:spcPct val="100000"/>
-                        </a:lnSpc>
-                        <a:spcBef>
-                          <a:spcPts val="0"/>
-                        </a:spcBef>
-                        <a:spcAft>
-                          <a:spcPts val="0"/>
-                        </a:spcAft>
-                        <a:buClrTx/>
-                        <a:buSzTx/>
-                        <a:buFontTx/>
-                        <a:buNone/>
-                        <a:tabLst/>
-                        <a:defRPr/>
-                      </a:pPr>
-                      <a:r>
-                        <a:rPr lang="fr-FR" sz="1600" b="0" dirty="0">
-                          <a:solidFill>
-                            <a:schemeClr val="tx1">
-                              <a:lumMod val="65000"/>
-                              <a:lumOff val="35000"/>
-                            </a:schemeClr>
-                          </a:solidFill>
-                          <a:latin typeface="+mn-lt"/>
-                        </a:rPr>
-                        <a:t>Autre</a:t>
-                      </a:r>
-                    </a:p>
-                  </a:txBody>
-                  <a:tcPr>
-                    <a:solidFill>
-                      <a:schemeClr val="bg1"/>
-                    </a:solidFill>
-                  </a:tcPr>
-                </a:tc>
-                <a:tc>
-                  <a:txBody>
-                    <a:bodyPr/>
-                    <a:lstStyle/>
-                    <a:p>
-                      <a:pPr algn="r"/>
-                      <a:r>
-                        <a:rPr lang="fr-FR" b="0" dirty="0">
-                          <a:solidFill>
-                            <a:schemeClr val="tx1">
-                              <a:lumMod val="65000"/>
-                              <a:lumOff val="35000"/>
-                            </a:schemeClr>
-                          </a:solidFill>
-                          <a:latin typeface="+mn-lt"/>
-                        </a:rPr>
-                        <a:t>Sur</a:t>
-                      </a:r>
-                      <a:r>
-                        <a:rPr lang="fr-FR" b="0" baseline="0" dirty="0">
-                          <a:solidFill>
-                            <a:schemeClr val="tx1">
-                              <a:lumMod val="65000"/>
-                              <a:lumOff val="35000"/>
-                            </a:schemeClr>
-                          </a:solidFill>
-                          <a:latin typeface="+mn-lt"/>
-                        </a:rPr>
-                        <a:t> mesure</a:t>
-                      </a:r>
-                      <a:endParaRPr lang="fr-FR" b="0" dirty="0">
-                        <a:solidFill>
-                          <a:schemeClr val="tx1">
-                            <a:lumMod val="65000"/>
-                            <a:lumOff val="35000"/>
-                          </a:schemeClr>
-                        </a:solidFill>
-                        <a:latin typeface="+mn-lt"/>
-                      </a:endParaRPr>
-                    </a:p>
-                  </a:txBody>
-                  <a:tcPr>
-                    <a:lnR w="12700" cap="flat" cmpd="sng" algn="ctr">
-                      <a:noFill/>
-                      <a:prstDash val="solid"/>
-                      <a:round/>
-                      <a:headEnd type="none" w="med" len="med"/>
-                      <a:tailEnd type="none" w="med" len="med"/>
-                    </a:lnR>
-                    <a:solidFill>
-                      <a:schemeClr val="bg1">
-                        <a:lumMod val="95000"/>
-                      </a:schemeClr>
-                    </a:solidFill>
-                  </a:tcPr>
-                </a:tc>
-                <a:extLst>
-                  <a:ext uri="{0D108BD9-81ED-4DB2-BD59-A6C34878D82A}">
-                    <a16:rowId xmlns:a16="http://schemas.microsoft.com/office/drawing/2014/main" val="3156999127"/>
+                    <a16:rowId xmlns:a16="http://schemas.microsoft.com/office/drawing/2014/main" xmlns="" val="2900576377"/>
                   </a:ext>
                 </a:extLst>
               </a:tr>
@@ -7889,7 +7870,31 @@
                           </a:solidFill>
                           <a:latin typeface="+mn-lt"/>
                         </a:rPr>
-                        <a:t> technique du jeu sur 1 ans (ajustable)</a:t>
+                        <a:t> technique du jeu sur 1 </a:t>
+                      </a:r>
+                      <a:r>
+                        <a:rPr lang="fr-FR" b="0" baseline="0" dirty="0" smtClean="0">
+                          <a:solidFill>
+                            <a:schemeClr val="tx1">
+                              <a:lumMod val="65000"/>
+                              <a:lumOff val="35000"/>
+                            </a:schemeClr>
+                          </a:solidFill>
+                          <a:latin typeface="+mn-lt"/>
+                        </a:rPr>
+                        <a:t>an </a:t>
+                      </a:r>
+                      <a:r>
+                        <a:rPr lang="fr-FR" b="0" baseline="0" dirty="0">
+                          <a:solidFill>
+                            <a:schemeClr val="tx1">
+                              <a:lumMod val="65000"/>
+                              <a:lumOff val="35000"/>
+                            </a:schemeClr>
+                          </a:solidFill>
+                          <a:latin typeface="+mn-lt"/>
+                        </a:rPr>
+                        <a:t>(ajustable)</a:t>
                       </a:r>
                       <a:endParaRPr lang="fr-FR" b="0" dirty="0">
                         <a:solidFill>
@@ -7941,7 +7946,7 @@
                     <a:p>
                       <a:pPr algn="r"/>
                       <a:r>
-                        <a:rPr lang="fr-FR" b="0" dirty="0">
+                        <a:rPr lang="fr-FR" b="0" dirty="0" smtClean="0">
                           <a:solidFill>
                             <a:schemeClr val="tx1">
                               <a:lumMod val="65000"/>
@@ -7950,8 +7955,17 @@
                           </a:solidFill>
                           <a:latin typeface="+mn-lt"/>
                         </a:rPr>
-                        <a:t>Sur mesure</a:t>
+                        <a:t>2000€</a:t>
                       </a:r>
+                      <a:endParaRPr lang="fr-FR" b="0" dirty="0">
+                        <a:solidFill>
+                          <a:schemeClr val="tx1">
+                            <a:lumMod val="65000"/>
+                            <a:lumOff val="35000"/>
+                          </a:schemeClr>
+                        </a:solidFill>
+                        <a:latin typeface="+mn-lt"/>
+                      </a:endParaRPr>
                     </a:p>
                   </a:txBody>
                   <a:tcPr>
@@ -7974,226 +7988,7 @@
                 </a:tc>
                 <a:extLst>
                   <a:ext uri="{0D108BD9-81ED-4DB2-BD59-A6C34878D82A}">
-                    <a16:rowId xmlns:a16="http://schemas.microsoft.com/office/drawing/2014/main" val="3767000208"/>
-                  </a:ext>
-                </a:extLst>
-              </a:tr>
-              <a:tr h="318646">
-                <a:tc>
-                  <a:txBody>
-                    <a:bodyPr/>
-                    <a:lstStyle/>
-                    <a:p>
-                      <a:pPr marL="0" marR="0" lvl="0" indent="0" algn="l" defTabSz="914400" rtl="0" eaLnBrk="1" fontAlgn="auto" latinLnBrk="0" hangingPunct="1">
-                        <a:lnSpc>
-                          <a:spcPct val="100000"/>
-                        </a:lnSpc>
-                        <a:spcBef>
-                          <a:spcPts val="0"/>
-                        </a:spcBef>
-                        <a:spcAft>
-                          <a:spcPts val="0"/>
-                        </a:spcAft>
-                        <a:buClrTx/>
-                        <a:buSzTx/>
-                        <a:buFontTx/>
-                        <a:buNone/>
-                        <a:tabLst/>
-                        <a:defRPr/>
-                      </a:pPr>
-                      <a:endParaRPr lang="fr-FR" b="0" dirty="0">
-                        <a:solidFill>
-                          <a:schemeClr val="tx1">
-                            <a:lumMod val="65000"/>
-                            <a:lumOff val="35000"/>
-                          </a:schemeClr>
-                        </a:solidFill>
-                        <a:latin typeface="+mn-lt"/>
-                      </a:endParaRPr>
-                    </a:p>
-                  </a:txBody>
-                  <a:tcPr>
-                    <a:lnL w="12700" cap="flat" cmpd="sng" algn="ctr">
-                      <a:noFill/>
-                      <a:prstDash val="solid"/>
-                      <a:round/>
-                      <a:headEnd type="none" w="med" len="med"/>
-                      <a:tailEnd type="none" w="med" len="med"/>
-                    </a:lnL>
-                    <a:lnR w="12700" cap="flat" cmpd="sng" algn="ctr">
-                      <a:noFill/>
-                      <a:prstDash val="solid"/>
-                      <a:round/>
-                      <a:headEnd type="none" w="med" len="med"/>
-                      <a:tailEnd type="none" w="med" len="med"/>
-                    </a:lnR>
-                    <a:lnT w="12700" cap="flat" cmpd="sng" algn="ctr">
-                      <a:noFill/>
-                      <a:prstDash val="solid"/>
-                      <a:round/>
-                      <a:headEnd type="none" w="med" len="med"/>
-                      <a:tailEnd type="none" w="med" len="med"/>
-                    </a:lnT>
-                    <a:lnB w="12700" cap="flat" cmpd="sng" algn="ctr">
-                      <a:noFill/>
-                      <a:prstDash val="solid"/>
-                      <a:round/>
-                      <a:headEnd type="none" w="med" len="med"/>
-                      <a:tailEnd type="none" w="med" len="med"/>
-                    </a:lnB>
-                    <a:lnTlToBr w="12700" cmpd="sng">
-                      <a:noFill/>
-                      <a:prstDash val="solid"/>
-                    </a:lnTlToBr>
-                    <a:lnBlToTr w="12700" cmpd="sng">
-                      <a:noFill/>
-                      <a:prstDash val="solid"/>
-                    </a:lnBlToTr>
-                    <a:solidFill>
-                      <a:schemeClr val="bg1"/>
-                    </a:solidFill>
-                  </a:tcPr>
-                </a:tc>
-                <a:tc>
-                  <a:txBody>
-                    <a:bodyPr/>
-                    <a:lstStyle/>
-                    <a:p>
-                      <a:pPr marL="0" marR="0" lvl="0" indent="0" algn="l" defTabSz="914400" rtl="0" eaLnBrk="1" fontAlgn="auto" latinLnBrk="0" hangingPunct="1">
-                        <a:lnSpc>
-                          <a:spcPct val="100000"/>
-                        </a:lnSpc>
-                        <a:spcBef>
-                          <a:spcPts val="0"/>
-                        </a:spcBef>
-                        <a:spcAft>
-                          <a:spcPts val="0"/>
-                        </a:spcAft>
-                        <a:buClrTx/>
-                        <a:buSzTx/>
-                        <a:buFontTx/>
-                        <a:buNone/>
-                        <a:tabLst/>
-                        <a:defRPr/>
-                      </a:pPr>
-                      <a:r>
-                        <a:rPr lang="fr-FR" sz="1600" b="0" dirty="0">
-                          <a:solidFill>
-                            <a:schemeClr val="tx1">
-                              <a:lumMod val="65000"/>
-                              <a:lumOff val="35000"/>
-                            </a:schemeClr>
-                          </a:solidFill>
-                          <a:latin typeface="+mn-lt"/>
-                        </a:rPr>
-                        <a:t>1</a:t>
-                      </a:r>
-                      <a:r>
-                        <a:rPr lang="fr-FR" sz="1600" b="0" baseline="0" dirty="0">
-                          <a:solidFill>
-                            <a:schemeClr val="tx1">
-                              <a:lumMod val="65000"/>
-                              <a:lumOff val="35000"/>
-                            </a:schemeClr>
-                          </a:solidFill>
-                          <a:latin typeface="+mn-lt"/>
-                        </a:rPr>
-                        <a:t> Ans</a:t>
-                      </a:r>
-                      <a:endParaRPr lang="fr-FR" sz="1600" b="0" dirty="0">
-                        <a:solidFill>
-                          <a:schemeClr val="tx1">
-                            <a:lumMod val="65000"/>
-                            <a:lumOff val="35000"/>
-                          </a:schemeClr>
-                        </a:solidFill>
-                        <a:latin typeface="+mn-lt"/>
-                      </a:endParaRPr>
-                    </a:p>
-                  </a:txBody>
-                  <a:tcPr>
-                    <a:lnL w="12700" cap="flat" cmpd="sng" algn="ctr">
-                      <a:noFill/>
-                      <a:prstDash val="solid"/>
-                      <a:round/>
-                      <a:headEnd type="none" w="med" len="med"/>
-                      <a:tailEnd type="none" w="med" len="med"/>
-                    </a:lnL>
-                    <a:lnR w="12700" cmpd="sng">
-                      <a:noFill/>
-                    </a:lnR>
-                    <a:lnT w="38100" cmpd="sng">
-                      <a:noFill/>
-                    </a:lnT>
-                    <a:lnB w="12700" cmpd="sng">
-                      <a:noFill/>
-                    </a:lnB>
-                    <a:lnTlToBr w="12700" cmpd="sng">
-                      <a:noFill/>
-                      <a:prstDash val="solid"/>
-                    </a:lnTlToBr>
-                    <a:lnBlToTr w="12700" cmpd="sng">
-                      <a:noFill/>
-                      <a:prstDash val="solid"/>
-                    </a:lnBlToTr>
-                    <a:solidFill>
-                      <a:schemeClr val="bg1"/>
-                    </a:solidFill>
-                  </a:tcPr>
-                </a:tc>
-                <a:tc>
-                  <a:txBody>
-                    <a:bodyPr/>
-                    <a:lstStyle/>
-                    <a:p>
-                      <a:pPr algn="r"/>
-                      <a:r>
-                        <a:rPr lang="fr-FR" b="0" dirty="0">
-                          <a:solidFill>
-                            <a:schemeClr val="tx1">
-                              <a:lumMod val="65000"/>
-                              <a:lumOff val="35000"/>
-                            </a:schemeClr>
-                          </a:solidFill>
-                          <a:latin typeface="+mn-lt"/>
-                        </a:rPr>
-                        <a:t>2000€</a:t>
-                      </a:r>
-                    </a:p>
-                  </a:txBody>
-                  <a:tcPr>
-                    <a:lnL w="12700" cmpd="sng">
-                      <a:noFill/>
-                    </a:lnL>
-                    <a:lnR w="12700" cap="flat" cmpd="sng" algn="ctr">
-                      <a:noFill/>
-                      <a:prstDash val="solid"/>
-                      <a:round/>
-                      <a:headEnd type="none" w="med" len="med"/>
-                      <a:tailEnd type="none" w="med" len="med"/>
-                    </a:lnR>
-                    <a:lnT w="38100" cmpd="sng">
-                      <a:noFill/>
-                    </a:lnT>
-                    <a:lnB w="12700" cmpd="sng">
-                      <a:noFill/>
-                    </a:lnB>
-                    <a:lnTlToBr w="12700" cmpd="sng">
-                      <a:noFill/>
-                      <a:prstDash val="solid"/>
-                    </a:lnTlToBr>
-                    <a:lnBlToTr w="12700" cmpd="sng">
-                      <a:noFill/>
-                      <a:prstDash val="solid"/>
-                    </a:lnBlToTr>
-                    <a:solidFill>
-                      <a:schemeClr val="bg1"/>
-                    </a:solidFill>
-                  </a:tcPr>
-                </a:tc>
-                <a:extLst>
-                  <a:ext uri="{0D108BD9-81ED-4DB2-BD59-A6C34878D82A}">
-                    <a16:rowId xmlns:a16="http://schemas.microsoft.com/office/drawing/2014/main" val="1632742703"/>
+                    <a16:rowId xmlns:a16="http://schemas.microsoft.com/office/drawing/2014/main" xmlns="" val="3767000208"/>
                   </a:ext>
                 </a:extLst>
               </a:tr>

--- a/Nesnoïd.pptx
+++ b/Nesnoïd.pptx
@@ -11,9 +11,8 @@
     <p:sldId id="264" r:id="rId5"/>
     <p:sldId id="260" r:id="rId6"/>
     <p:sldId id="263" r:id="rId7"/>
-    <p:sldId id="265" r:id="rId8"/>
-    <p:sldId id="262" r:id="rId9"/>
-    <p:sldId id="261" r:id="rId10"/>
+    <p:sldId id="262" r:id="rId8"/>
+    <p:sldId id="261" r:id="rId9"/>
   </p:sldIdLst>
   <p:sldSz cx="12192000" cy="6858000"/>
   <p:notesSz cx="6858000" cy="9144000"/>
@@ -112,7 +111,16 @@
       </a:defRPr>
     </a:lvl9pPr>
   </p:defaultTextStyle>
+  <p:extLst>
+    <p:ext uri="{EFAFB233-063F-42B5-8137-9DF3F51BA10A}">
+      <p15:sldGuideLst xmlns:p15="http://schemas.microsoft.com/office/powerpoint/2012/main"/>
+    </p:ext>
+  </p:extLst>
 </p:presentation>
+</file>
+
+<file path=ppt/revisionInfo.xml><?xml version="1.0" encoding="utf-8"?>
+<p1510:revInfo xmlns:a="http://schemas.openxmlformats.org/drawingml/2006/main" xmlns:r="http://schemas.openxmlformats.org/officeDocument/2006/relationships" xmlns:p1510="http://schemas.microsoft.com/office/powerpoint/2015/10/main"/>
 </file>
 
 <file path=ppt/slideLayouts/slideLayout1.xml><?xml version="1.0" encoding="utf-8"?>
@@ -157,10 +165,9 @@
           </a:lstStyle>
           <a:p>
             <a:r>
-              <a:rPr lang="fr-FR" smtClean="0"/>
+              <a:rPr lang="fr-FR"/>
               <a:t>Modifiez le style du titre</a:t>
             </a:r>
-            <a:endParaRPr lang="fr-FR"/>
           </a:p>
         </p:txBody>
       </p:sp>
@@ -222,10 +229,9 @@
           </a:lstStyle>
           <a:p>
             <a:r>
-              <a:rPr lang="fr-FR" smtClean="0"/>
+              <a:rPr lang="fr-FR"/>
               <a:t>Modifiez le style des sous-titres du masque</a:t>
             </a:r>
-            <a:endParaRPr lang="fr-FR"/>
           </a:p>
         </p:txBody>
       </p:sp>
@@ -246,7 +252,7 @@
           <a:p>
             <a:fld id="{FDE5DAE4-F994-4C98-81E0-77623325799A}" type="datetimeFigureOut">
               <a:rPr lang="fr-FR" smtClean="0"/>
-              <a:t>23/06/2017</a:t>
+              <a:t>27/06/2017</a:t>
             </a:fld>
             <a:endParaRPr lang="fr-FR"/>
           </a:p>
@@ -340,10 +346,9 @@
           <a:lstStyle/>
           <a:p>
             <a:r>
-              <a:rPr lang="fr-FR" smtClean="0"/>
+              <a:rPr lang="fr-FR"/>
               <a:t>Modifiez le style du titre</a:t>
             </a:r>
-            <a:endParaRPr lang="fr-FR"/>
           </a:p>
         </p:txBody>
       </p:sp>
@@ -364,38 +369,37 @@
           <a:p>
             <a:pPr lvl="0"/>
             <a:r>
-              <a:rPr lang="fr-FR" smtClean="0"/>
+              <a:rPr lang="fr-FR"/>
               <a:t>Modifiez les styles du texte du masque</a:t>
             </a:r>
           </a:p>
           <a:p>
             <a:pPr lvl="1"/>
             <a:r>
-              <a:rPr lang="fr-FR" smtClean="0"/>
+              <a:rPr lang="fr-FR"/>
               <a:t>Deuxième niveau</a:t>
             </a:r>
           </a:p>
           <a:p>
             <a:pPr lvl="2"/>
             <a:r>
-              <a:rPr lang="fr-FR" smtClean="0"/>
+              <a:rPr lang="fr-FR"/>
               <a:t>Troisième niveau</a:t>
             </a:r>
           </a:p>
           <a:p>
             <a:pPr lvl="3"/>
             <a:r>
-              <a:rPr lang="fr-FR" smtClean="0"/>
+              <a:rPr lang="fr-FR"/>
               <a:t>Quatrième niveau</a:t>
             </a:r>
           </a:p>
           <a:p>
             <a:pPr lvl="4"/>
             <a:r>
-              <a:rPr lang="fr-FR" smtClean="0"/>
+              <a:rPr lang="fr-FR"/>
               <a:t>Cinquième niveau</a:t>
             </a:r>
-            <a:endParaRPr lang="fr-FR"/>
           </a:p>
         </p:txBody>
       </p:sp>
@@ -416,7 +420,7 @@
           <a:p>
             <a:fld id="{FDE5DAE4-F994-4C98-81E0-77623325799A}" type="datetimeFigureOut">
               <a:rPr lang="fr-FR" smtClean="0"/>
-              <a:t>23/06/2017</a:t>
+              <a:t>27/06/2017</a:t>
             </a:fld>
             <a:endParaRPr lang="fr-FR"/>
           </a:p>
@@ -515,10 +519,9 @@
           <a:lstStyle/>
           <a:p>
             <a:r>
-              <a:rPr lang="fr-FR" smtClean="0"/>
+              <a:rPr lang="fr-FR"/>
               <a:t>Modifiez le style du titre</a:t>
             </a:r>
-            <a:endParaRPr lang="fr-FR"/>
           </a:p>
         </p:txBody>
       </p:sp>
@@ -544,38 +547,37 @@
           <a:p>
             <a:pPr lvl="0"/>
             <a:r>
-              <a:rPr lang="fr-FR" smtClean="0"/>
+              <a:rPr lang="fr-FR"/>
               <a:t>Modifiez les styles du texte du masque</a:t>
             </a:r>
           </a:p>
           <a:p>
             <a:pPr lvl="1"/>
             <a:r>
-              <a:rPr lang="fr-FR" smtClean="0"/>
+              <a:rPr lang="fr-FR"/>
               <a:t>Deuxième niveau</a:t>
             </a:r>
           </a:p>
           <a:p>
             <a:pPr lvl="2"/>
             <a:r>
-              <a:rPr lang="fr-FR" smtClean="0"/>
+              <a:rPr lang="fr-FR"/>
               <a:t>Troisième niveau</a:t>
             </a:r>
           </a:p>
           <a:p>
             <a:pPr lvl="3"/>
             <a:r>
-              <a:rPr lang="fr-FR" smtClean="0"/>
+              <a:rPr lang="fr-FR"/>
               <a:t>Quatrième niveau</a:t>
             </a:r>
           </a:p>
           <a:p>
             <a:pPr lvl="4"/>
             <a:r>
-              <a:rPr lang="fr-FR" smtClean="0"/>
+              <a:rPr lang="fr-FR"/>
               <a:t>Cinquième niveau</a:t>
             </a:r>
-            <a:endParaRPr lang="fr-FR"/>
           </a:p>
         </p:txBody>
       </p:sp>
@@ -596,7 +598,7 @@
           <a:p>
             <a:fld id="{FDE5DAE4-F994-4C98-81E0-77623325799A}" type="datetimeFigureOut">
               <a:rPr lang="fr-FR" smtClean="0"/>
-              <a:t>23/06/2017</a:t>
+              <a:t>27/06/2017</a:t>
             </a:fld>
             <a:endParaRPr lang="fr-FR"/>
           </a:p>
@@ -690,10 +692,9 @@
           <a:lstStyle/>
           <a:p>
             <a:r>
-              <a:rPr lang="fr-FR" smtClean="0"/>
+              <a:rPr lang="fr-FR"/>
               <a:t>Modifiez le style du titre</a:t>
             </a:r>
-            <a:endParaRPr lang="fr-FR"/>
           </a:p>
         </p:txBody>
       </p:sp>
@@ -714,38 +715,37 @@
           <a:p>
             <a:pPr lvl="0"/>
             <a:r>
-              <a:rPr lang="fr-FR" smtClean="0"/>
+              <a:rPr lang="fr-FR"/>
               <a:t>Modifiez les styles du texte du masque</a:t>
             </a:r>
           </a:p>
           <a:p>
             <a:pPr lvl="1"/>
             <a:r>
-              <a:rPr lang="fr-FR" smtClean="0"/>
+              <a:rPr lang="fr-FR"/>
               <a:t>Deuxième niveau</a:t>
             </a:r>
           </a:p>
           <a:p>
             <a:pPr lvl="2"/>
             <a:r>
-              <a:rPr lang="fr-FR" smtClean="0"/>
+              <a:rPr lang="fr-FR"/>
               <a:t>Troisième niveau</a:t>
             </a:r>
           </a:p>
           <a:p>
             <a:pPr lvl="3"/>
             <a:r>
-              <a:rPr lang="fr-FR" smtClean="0"/>
+              <a:rPr lang="fr-FR"/>
               <a:t>Quatrième niveau</a:t>
             </a:r>
           </a:p>
           <a:p>
             <a:pPr lvl="4"/>
             <a:r>
-              <a:rPr lang="fr-FR" smtClean="0"/>
+              <a:rPr lang="fr-FR"/>
               <a:t>Cinquième niveau</a:t>
             </a:r>
-            <a:endParaRPr lang="fr-FR"/>
           </a:p>
         </p:txBody>
       </p:sp>
@@ -766,7 +766,7 @@
           <a:p>
             <a:fld id="{FDE5DAE4-F994-4C98-81E0-77623325799A}" type="datetimeFigureOut">
               <a:rPr lang="fr-FR" smtClean="0"/>
-              <a:t>23/06/2017</a:t>
+              <a:t>27/06/2017</a:t>
             </a:fld>
             <a:endParaRPr lang="fr-FR"/>
           </a:p>
@@ -869,10 +869,9 @@
           </a:lstStyle>
           <a:p>
             <a:r>
-              <a:rPr lang="fr-FR" smtClean="0"/>
+              <a:rPr lang="fr-FR"/>
               <a:t>Modifiez le style du titre</a:t>
             </a:r>
-            <a:endParaRPr lang="fr-FR"/>
           </a:p>
         </p:txBody>
       </p:sp>
@@ -989,7 +988,7 @@
           <a:p>
             <a:pPr lvl="0"/>
             <a:r>
-              <a:rPr lang="fr-FR" smtClean="0"/>
+              <a:rPr lang="fr-FR"/>
               <a:t>Modifiez les styles du texte du masque</a:t>
             </a:r>
           </a:p>
@@ -1012,7 +1011,7 @@
           <a:p>
             <a:fld id="{FDE5DAE4-F994-4C98-81E0-77623325799A}" type="datetimeFigureOut">
               <a:rPr lang="fr-FR" smtClean="0"/>
-              <a:t>23/06/2017</a:t>
+              <a:t>27/06/2017</a:t>
             </a:fld>
             <a:endParaRPr lang="fr-FR"/>
           </a:p>
@@ -1106,10 +1105,9 @@
           <a:lstStyle/>
           <a:p>
             <a:r>
-              <a:rPr lang="fr-FR" smtClean="0"/>
+              <a:rPr lang="fr-FR"/>
               <a:t>Modifiez le style du titre</a:t>
             </a:r>
-            <a:endParaRPr lang="fr-FR"/>
           </a:p>
         </p:txBody>
       </p:sp>
@@ -1135,38 +1133,37 @@
           <a:p>
             <a:pPr lvl="0"/>
             <a:r>
-              <a:rPr lang="fr-FR" smtClean="0"/>
+              <a:rPr lang="fr-FR"/>
               <a:t>Modifiez les styles du texte du masque</a:t>
             </a:r>
           </a:p>
           <a:p>
             <a:pPr lvl="1"/>
             <a:r>
-              <a:rPr lang="fr-FR" smtClean="0"/>
+              <a:rPr lang="fr-FR"/>
               <a:t>Deuxième niveau</a:t>
             </a:r>
           </a:p>
           <a:p>
             <a:pPr lvl="2"/>
             <a:r>
-              <a:rPr lang="fr-FR" smtClean="0"/>
+              <a:rPr lang="fr-FR"/>
               <a:t>Troisième niveau</a:t>
             </a:r>
           </a:p>
           <a:p>
             <a:pPr lvl="3"/>
             <a:r>
-              <a:rPr lang="fr-FR" smtClean="0"/>
+              <a:rPr lang="fr-FR"/>
               <a:t>Quatrième niveau</a:t>
             </a:r>
           </a:p>
           <a:p>
             <a:pPr lvl="4"/>
             <a:r>
-              <a:rPr lang="fr-FR" smtClean="0"/>
+              <a:rPr lang="fr-FR"/>
               <a:t>Cinquième niveau</a:t>
             </a:r>
-            <a:endParaRPr lang="fr-FR"/>
           </a:p>
         </p:txBody>
       </p:sp>
@@ -1192,38 +1189,37 @@
           <a:p>
             <a:pPr lvl="0"/>
             <a:r>
-              <a:rPr lang="fr-FR" smtClean="0"/>
+              <a:rPr lang="fr-FR"/>
               <a:t>Modifiez les styles du texte du masque</a:t>
             </a:r>
           </a:p>
           <a:p>
             <a:pPr lvl="1"/>
             <a:r>
-              <a:rPr lang="fr-FR" smtClean="0"/>
+              <a:rPr lang="fr-FR"/>
               <a:t>Deuxième niveau</a:t>
             </a:r>
           </a:p>
           <a:p>
             <a:pPr lvl="2"/>
             <a:r>
-              <a:rPr lang="fr-FR" smtClean="0"/>
+              <a:rPr lang="fr-FR"/>
               <a:t>Troisième niveau</a:t>
             </a:r>
           </a:p>
           <a:p>
             <a:pPr lvl="3"/>
             <a:r>
-              <a:rPr lang="fr-FR" smtClean="0"/>
+              <a:rPr lang="fr-FR"/>
               <a:t>Quatrième niveau</a:t>
             </a:r>
           </a:p>
           <a:p>
             <a:pPr lvl="4"/>
             <a:r>
-              <a:rPr lang="fr-FR" smtClean="0"/>
+              <a:rPr lang="fr-FR"/>
               <a:t>Cinquième niveau</a:t>
             </a:r>
-            <a:endParaRPr lang="fr-FR"/>
           </a:p>
         </p:txBody>
       </p:sp>
@@ -1244,7 +1240,7 @@
           <a:p>
             <a:fld id="{FDE5DAE4-F994-4C98-81E0-77623325799A}" type="datetimeFigureOut">
               <a:rPr lang="fr-FR" smtClean="0"/>
-              <a:t>23/06/2017</a:t>
+              <a:t>27/06/2017</a:t>
             </a:fld>
             <a:endParaRPr lang="fr-FR"/>
           </a:p>
@@ -1343,10 +1339,9 @@
           <a:lstStyle/>
           <a:p>
             <a:r>
-              <a:rPr lang="fr-FR" smtClean="0"/>
+              <a:rPr lang="fr-FR"/>
               <a:t>Modifiez le style du titre</a:t>
             </a:r>
-            <a:endParaRPr lang="fr-FR"/>
           </a:p>
         </p:txBody>
       </p:sp>
@@ -1409,7 +1404,7 @@
           <a:p>
             <a:pPr lvl="0"/>
             <a:r>
-              <a:rPr lang="fr-FR" smtClean="0"/>
+              <a:rPr lang="fr-FR"/>
               <a:t>Modifiez les styles du texte du masque</a:t>
             </a:r>
           </a:p>
@@ -1437,38 +1432,37 @@
           <a:p>
             <a:pPr lvl="0"/>
             <a:r>
-              <a:rPr lang="fr-FR" smtClean="0"/>
+              <a:rPr lang="fr-FR"/>
               <a:t>Modifiez les styles du texte du masque</a:t>
             </a:r>
           </a:p>
           <a:p>
             <a:pPr lvl="1"/>
             <a:r>
-              <a:rPr lang="fr-FR" smtClean="0"/>
+              <a:rPr lang="fr-FR"/>
               <a:t>Deuxième niveau</a:t>
             </a:r>
           </a:p>
           <a:p>
             <a:pPr lvl="2"/>
             <a:r>
-              <a:rPr lang="fr-FR" smtClean="0"/>
+              <a:rPr lang="fr-FR"/>
               <a:t>Troisième niveau</a:t>
             </a:r>
           </a:p>
           <a:p>
             <a:pPr lvl="3"/>
             <a:r>
-              <a:rPr lang="fr-FR" smtClean="0"/>
+              <a:rPr lang="fr-FR"/>
               <a:t>Quatrième niveau</a:t>
             </a:r>
           </a:p>
           <a:p>
             <a:pPr lvl="4"/>
             <a:r>
-              <a:rPr lang="fr-FR" smtClean="0"/>
+              <a:rPr lang="fr-FR"/>
               <a:t>Cinquième niveau</a:t>
             </a:r>
-            <a:endParaRPr lang="fr-FR"/>
           </a:p>
         </p:txBody>
       </p:sp>
@@ -1531,7 +1525,7 @@
           <a:p>
             <a:pPr lvl="0"/>
             <a:r>
-              <a:rPr lang="fr-FR" smtClean="0"/>
+              <a:rPr lang="fr-FR"/>
               <a:t>Modifiez les styles du texte du masque</a:t>
             </a:r>
           </a:p>
@@ -1559,38 +1553,37 @@
           <a:p>
             <a:pPr lvl="0"/>
             <a:r>
-              <a:rPr lang="fr-FR" smtClean="0"/>
+              <a:rPr lang="fr-FR"/>
               <a:t>Modifiez les styles du texte du masque</a:t>
             </a:r>
           </a:p>
           <a:p>
             <a:pPr lvl="1"/>
             <a:r>
-              <a:rPr lang="fr-FR" smtClean="0"/>
+              <a:rPr lang="fr-FR"/>
               <a:t>Deuxième niveau</a:t>
             </a:r>
           </a:p>
           <a:p>
             <a:pPr lvl="2"/>
             <a:r>
-              <a:rPr lang="fr-FR" smtClean="0"/>
+              <a:rPr lang="fr-FR"/>
               <a:t>Troisième niveau</a:t>
             </a:r>
           </a:p>
           <a:p>
             <a:pPr lvl="3"/>
             <a:r>
-              <a:rPr lang="fr-FR" smtClean="0"/>
+              <a:rPr lang="fr-FR"/>
               <a:t>Quatrième niveau</a:t>
             </a:r>
           </a:p>
           <a:p>
             <a:pPr lvl="4"/>
             <a:r>
-              <a:rPr lang="fr-FR" smtClean="0"/>
+              <a:rPr lang="fr-FR"/>
               <a:t>Cinquième niveau</a:t>
             </a:r>
-            <a:endParaRPr lang="fr-FR"/>
           </a:p>
         </p:txBody>
       </p:sp>
@@ -1611,7 +1604,7 @@
           <a:p>
             <a:fld id="{FDE5DAE4-F994-4C98-81E0-77623325799A}" type="datetimeFigureOut">
               <a:rPr lang="fr-FR" smtClean="0"/>
-              <a:t>23/06/2017</a:t>
+              <a:t>27/06/2017</a:t>
             </a:fld>
             <a:endParaRPr lang="fr-FR"/>
           </a:p>
@@ -1705,10 +1698,9 @@
           <a:lstStyle/>
           <a:p>
             <a:r>
-              <a:rPr lang="fr-FR" smtClean="0"/>
+              <a:rPr lang="fr-FR"/>
               <a:t>Modifiez le style du titre</a:t>
             </a:r>
-            <a:endParaRPr lang="fr-FR"/>
           </a:p>
         </p:txBody>
       </p:sp>
@@ -1729,7 +1721,7 @@
           <a:p>
             <a:fld id="{FDE5DAE4-F994-4C98-81E0-77623325799A}" type="datetimeFigureOut">
               <a:rPr lang="fr-FR" smtClean="0"/>
-              <a:t>23/06/2017</a:t>
+              <a:t>27/06/2017</a:t>
             </a:fld>
             <a:endParaRPr lang="fr-FR"/>
           </a:p>
@@ -1824,7 +1816,7 @@
           <a:p>
             <a:fld id="{FDE5DAE4-F994-4C98-81E0-77623325799A}" type="datetimeFigureOut">
               <a:rPr lang="fr-FR" smtClean="0"/>
-              <a:t>23/06/2017</a:t>
+              <a:t>27/06/2017</a:t>
             </a:fld>
             <a:endParaRPr lang="fr-FR"/>
           </a:p>
@@ -1927,10 +1919,9 @@
           </a:lstStyle>
           <a:p>
             <a:r>
-              <a:rPr lang="fr-FR" smtClean="0"/>
+              <a:rPr lang="fr-FR"/>
               <a:t>Modifiez le style du titre</a:t>
             </a:r>
-            <a:endParaRPr lang="fr-FR"/>
           </a:p>
         </p:txBody>
       </p:sp>
@@ -1984,38 +1975,37 @@
           <a:p>
             <a:pPr lvl="0"/>
             <a:r>
-              <a:rPr lang="fr-FR" smtClean="0"/>
+              <a:rPr lang="fr-FR"/>
               <a:t>Modifiez les styles du texte du masque</a:t>
             </a:r>
           </a:p>
           <a:p>
             <a:pPr lvl="1"/>
             <a:r>
-              <a:rPr lang="fr-FR" smtClean="0"/>
+              <a:rPr lang="fr-FR"/>
               <a:t>Deuxième niveau</a:t>
             </a:r>
           </a:p>
           <a:p>
             <a:pPr lvl="2"/>
             <a:r>
-              <a:rPr lang="fr-FR" smtClean="0"/>
+              <a:rPr lang="fr-FR"/>
               <a:t>Troisième niveau</a:t>
             </a:r>
           </a:p>
           <a:p>
             <a:pPr lvl="3"/>
             <a:r>
-              <a:rPr lang="fr-FR" smtClean="0"/>
+              <a:rPr lang="fr-FR"/>
               <a:t>Quatrième niveau</a:t>
             </a:r>
           </a:p>
           <a:p>
             <a:pPr lvl="4"/>
             <a:r>
-              <a:rPr lang="fr-FR" smtClean="0"/>
+              <a:rPr lang="fr-FR"/>
               <a:t>Cinquième niveau</a:t>
             </a:r>
-            <a:endParaRPr lang="fr-FR"/>
           </a:p>
         </p:txBody>
       </p:sp>
@@ -2078,7 +2068,7 @@
           <a:p>
             <a:pPr lvl="0"/>
             <a:r>
-              <a:rPr lang="fr-FR" smtClean="0"/>
+              <a:rPr lang="fr-FR"/>
               <a:t>Modifiez les styles du texte du masque</a:t>
             </a:r>
           </a:p>
@@ -2101,7 +2091,7 @@
           <a:p>
             <a:fld id="{FDE5DAE4-F994-4C98-81E0-77623325799A}" type="datetimeFigureOut">
               <a:rPr lang="fr-FR" smtClean="0"/>
-              <a:t>23/06/2017</a:t>
+              <a:t>27/06/2017</a:t>
             </a:fld>
             <a:endParaRPr lang="fr-FR"/>
           </a:p>
@@ -2204,10 +2194,9 @@
           </a:lstStyle>
           <a:p>
             <a:r>
-              <a:rPr lang="fr-FR" smtClean="0"/>
+              <a:rPr lang="fr-FR"/>
               <a:t>Modifiez le style du titre</a:t>
             </a:r>
-            <a:endParaRPr lang="fr-FR"/>
           </a:p>
         </p:txBody>
       </p:sp>
@@ -2331,7 +2320,7 @@
           <a:p>
             <a:pPr lvl="0"/>
             <a:r>
-              <a:rPr lang="fr-FR" smtClean="0"/>
+              <a:rPr lang="fr-FR"/>
               <a:t>Modifiez les styles du texte du masque</a:t>
             </a:r>
           </a:p>
@@ -2354,7 +2343,7 @@
           <a:p>
             <a:fld id="{FDE5DAE4-F994-4C98-81E0-77623325799A}" type="datetimeFigureOut">
               <a:rPr lang="fr-FR" smtClean="0"/>
-              <a:t>23/06/2017</a:t>
+              <a:t>27/06/2017</a:t>
             </a:fld>
             <a:endParaRPr lang="fr-FR"/>
           </a:p>
@@ -2463,10 +2452,9 @@
           <a:lstStyle/>
           <a:p>
             <a:r>
-              <a:rPr lang="fr-FR" smtClean="0"/>
+              <a:rPr lang="fr-FR"/>
               <a:t>Modifiez le style du titre</a:t>
             </a:r>
-            <a:endParaRPr lang="fr-FR"/>
           </a:p>
         </p:txBody>
       </p:sp>
@@ -2497,38 +2485,37 @@
           <a:p>
             <a:pPr lvl="0"/>
             <a:r>
-              <a:rPr lang="fr-FR" smtClean="0"/>
+              <a:rPr lang="fr-FR"/>
               <a:t>Modifiez les styles du texte du masque</a:t>
             </a:r>
           </a:p>
           <a:p>
             <a:pPr lvl="1"/>
             <a:r>
-              <a:rPr lang="fr-FR" smtClean="0"/>
+              <a:rPr lang="fr-FR"/>
               <a:t>Deuxième niveau</a:t>
             </a:r>
           </a:p>
           <a:p>
             <a:pPr lvl="2"/>
             <a:r>
-              <a:rPr lang="fr-FR" smtClean="0"/>
+              <a:rPr lang="fr-FR"/>
               <a:t>Troisième niveau</a:t>
             </a:r>
           </a:p>
           <a:p>
             <a:pPr lvl="3"/>
             <a:r>
-              <a:rPr lang="fr-FR" smtClean="0"/>
+              <a:rPr lang="fr-FR"/>
               <a:t>Quatrième niveau</a:t>
             </a:r>
           </a:p>
           <a:p>
             <a:pPr lvl="4"/>
             <a:r>
-              <a:rPr lang="fr-FR" smtClean="0"/>
+              <a:rPr lang="fr-FR"/>
               <a:t>Cinquième niveau</a:t>
             </a:r>
-            <a:endParaRPr lang="fr-FR"/>
           </a:p>
         </p:txBody>
       </p:sp>
@@ -2567,7 +2554,7 @@
           <a:p>
             <a:fld id="{FDE5DAE4-F994-4C98-81E0-77623325799A}" type="datetimeFigureOut">
               <a:rPr lang="fr-FR" smtClean="0"/>
-              <a:t>23/06/2017</a:t>
+              <a:t>27/06/2017</a:t>
             </a:fld>
             <a:endParaRPr lang="fr-FR"/>
           </a:p>
@@ -2988,7 +2975,7 @@
           <a:lstStyle/>
           <a:p>
             <a:r>
-              <a:rPr lang="fr-FR" dirty="0" err="1" smtClean="0"/>
+              <a:rPr lang="fr-FR" dirty="0" err="1"/>
               <a:t>Nesnoïd</a:t>
             </a:r>
             <a:endParaRPr lang="fr-FR" dirty="0"/>
@@ -3017,7 +3004,7 @@
           <a:graphicData uri="http://schemas.openxmlformats.org/presentationml/2006/ole">
             <mc:AlternateContent xmlns:mc="http://schemas.openxmlformats.org/markup-compatibility/2006">
               <mc:Choice xmlns:v="urn:schemas-microsoft-com:vml" Requires="v">
-                <p:oleObj spid="_x0000_s2062" r:id="rId3" imgW="13002840" imgH="406080" progId="">
+                <p:oleObj spid="_x0000_s2074" r:id="rId3" imgW="13002840" imgH="406080" progId="">
                   <p:embed/>
                 </p:oleObj>
               </mc:Choice>
@@ -3074,7 +3061,7 @@
           <a:graphicData uri="http://schemas.openxmlformats.org/presentationml/2006/ole">
             <mc:AlternateContent xmlns:mc="http://schemas.openxmlformats.org/markup-compatibility/2006">
               <mc:Choice xmlns:v="urn:schemas-microsoft-com:vml" Requires="v">
-                <p:oleObj spid="_x0000_s2063" r:id="rId5" imgW="13002840" imgH="406080" progId="">
+                <p:oleObj spid="_x0000_s2075" r:id="rId5" imgW="13002840" imgH="406080" progId="">
                   <p:embed/>
                 </p:oleObj>
               </mc:Choice>
@@ -3131,7 +3118,7 @@
           <a:graphicData uri="http://schemas.openxmlformats.org/presentationml/2006/ole">
             <mc:AlternateContent xmlns:mc="http://schemas.openxmlformats.org/markup-compatibility/2006">
               <mc:Choice xmlns:v="urn:schemas-microsoft-com:vml" Requires="v">
-                <p:oleObj spid="_x0000_s2064" r:id="rId6" imgW="13002840" imgH="406080" progId="">
+                <p:oleObj spid="_x0000_s2076" r:id="rId6" imgW="13002840" imgH="406080" progId="">
                   <p:embed/>
                 </p:oleObj>
               </mc:Choice>
@@ -3188,7 +3175,7 @@
           <a:graphicData uri="http://schemas.openxmlformats.org/presentationml/2006/ole">
             <mc:AlternateContent xmlns:mc="http://schemas.openxmlformats.org/markup-compatibility/2006">
               <mc:Choice xmlns:v="urn:schemas-microsoft-com:vml" Requires="v">
-                <p:oleObj spid="_x0000_s2065" r:id="rId7" imgW="13002840" imgH="406080" progId="">
+                <p:oleObj spid="_x0000_s2077" r:id="rId7" imgW="13002840" imgH="406080" progId="">
                   <p:embed/>
                 </p:oleObj>
               </mc:Choice>
@@ -3280,22 +3267,10 @@
                 </a:solidFill>
                 <a:latin typeface="+mj-lt"/>
               </a:rPr>
-              <a:t> - Sébastien Erfani </a:t>
-            </a:r>
-            <a:r>
-              <a:rPr lang="fr-FR" dirty="0" smtClean="0">
-                <a:solidFill>
-                  <a:schemeClr val="tx1">
-                    <a:lumMod val="75000"/>
-                    <a:lumOff val="25000"/>
-                  </a:schemeClr>
-                </a:solidFill>
-                <a:latin typeface="+mj-lt"/>
-              </a:rPr>
-              <a:t>– Lisa </a:t>
-            </a:r>
-            <a:r>
-              <a:rPr lang="fr-FR" dirty="0" err="1" smtClean="0">
+              <a:t> - Sébastien Erfani – Lisa </a:t>
+            </a:r>
+            <a:r>
+              <a:rPr lang="fr-FR" dirty="0" err="1">
                 <a:solidFill>
                   <a:schemeClr val="tx1">
                     <a:lumMod val="75000"/>
@@ -3307,7 +3282,7 @@
               <a:t>Jaafar</a:t>
             </a:r>
             <a:r>
-              <a:rPr lang="fr-FR" dirty="0" smtClean="0">
+              <a:rPr lang="fr-FR" dirty="0">
                 <a:solidFill>
                   <a:schemeClr val="tx1">
                     <a:lumMod val="75000"/>
@@ -3330,18 +3305,6 @@
               <a:t>–</a:t>
             </a:r>
             <a:r>
-              <a:rPr lang="fr-FR" dirty="0" smtClean="0">
-                <a:solidFill>
-                  <a:schemeClr val="tx1">
-                    <a:lumMod val="75000"/>
-                    <a:lumOff val="25000"/>
-                  </a:schemeClr>
-                </a:solidFill>
-                <a:latin typeface="+mj-lt"/>
-              </a:rPr>
-              <a:t> </a:t>
-            </a:r>
-            <a:r>
               <a:rPr lang="fr-FR" dirty="0">
                 <a:solidFill>
                   <a:schemeClr val="tx1">
@@ -3351,7 +3314,7 @@
                 </a:solidFill>
                 <a:latin typeface="+mj-lt"/>
               </a:rPr>
-              <a:t>Yohann Jolain – Robin </a:t>
+              <a:t> Yohann Jolain – Robin </a:t>
             </a:r>
             <a:r>
               <a:rPr lang="fr-FR" dirty="0" err="1">
@@ -3442,13 +3405,6 @@
   <p:clrMapOvr>
     <a:masterClrMapping/>
   </p:clrMapOvr>
-  <p:timing>
-    <p:tnLst>
-      <p:par>
-        <p:cTn id="1" dur="indefinite" restart="never" nodeType="tmRoot"/>
-      </p:par>
-    </p:tnLst>
-  </p:timing>
 </p:sld>
 </file>
 
@@ -3511,7 +3467,7 @@
           </a:p>
           <a:p>
             <a:r>
-              <a:rPr lang="fr-FR" sz="2000" i="1" dirty="0" smtClean="0">
+              <a:rPr lang="fr-FR" sz="2000" i="1" dirty="0">
                 <a:solidFill>
                   <a:schemeClr val="tx1">
                     <a:lumMod val="50000"/>
@@ -3522,15 +3478,6 @@
               </a:rPr>
               <a:t>Expert Assembleur</a:t>
             </a:r>
-            <a:endParaRPr lang="fr-FR" sz="2000" i="1" dirty="0">
-              <a:solidFill>
-                <a:schemeClr val="tx1">
-                  <a:lumMod val="50000"/>
-                  <a:lumOff val="50000"/>
-                </a:schemeClr>
-              </a:solidFill>
-              <a:latin typeface="+mj-lt"/>
-            </a:endParaRPr>
           </a:p>
         </p:txBody>
       </p:sp>
@@ -3703,7 +3650,7 @@
               </a:lnSpc>
             </a:pPr>
             <a:r>
-              <a:rPr lang="fr-FR" sz="2000" i="1" dirty="0" smtClean="0">
+              <a:rPr lang="fr-FR" sz="2000" i="1" dirty="0">
                 <a:solidFill>
                   <a:schemeClr val="tx1">
                     <a:lumMod val="50000"/>
@@ -3714,15 +3661,6 @@
               </a:rPr>
               <a:t>Chef de projet</a:t>
             </a:r>
-            <a:endParaRPr lang="fr-FR" sz="2000" i="1" dirty="0">
-              <a:solidFill>
-                <a:schemeClr val="tx1">
-                  <a:lumMod val="50000"/>
-                  <a:lumOff val="50000"/>
-                </a:schemeClr>
-              </a:solidFill>
-              <a:latin typeface="+mj-lt"/>
-            </a:endParaRPr>
           </a:p>
           <a:p>
             <a:pPr>
@@ -3838,7 +3776,7 @@
               </a:lnSpc>
             </a:pPr>
             <a:r>
-              <a:rPr lang="fr-FR" sz="2000" i="1" dirty="0" smtClean="0">
+              <a:rPr lang="fr-FR" sz="2000" i="1" dirty="0">
                 <a:solidFill>
                   <a:schemeClr val="tx1">
                     <a:lumMod val="50000"/>
@@ -3849,15 +3787,6 @@
               </a:rPr>
               <a:t>Designer</a:t>
             </a:r>
-            <a:endParaRPr lang="fr-FR" sz="2000" i="1" dirty="0">
-              <a:solidFill>
-                <a:schemeClr val="tx1">
-                  <a:lumMod val="50000"/>
-                  <a:lumOff val="50000"/>
-                </a:schemeClr>
-              </a:solidFill>
-              <a:latin typeface="+mj-lt"/>
-            </a:endParaRPr>
           </a:p>
           <a:p>
             <a:pPr marL="400050" indent="-400050">
@@ -3954,7 +3883,7 @@
               </a:lnSpc>
             </a:pPr>
             <a:r>
-              <a:rPr lang="fr-FR" sz="2400" dirty="0" smtClean="0">
+              <a:rPr lang="fr-FR" sz="2400" dirty="0">
                 <a:solidFill>
                   <a:schemeClr val="tx1">
                     <a:lumMod val="75000"/>
@@ -3966,7 +3895,7 @@
               <a:t>Lisa </a:t>
             </a:r>
             <a:r>
-              <a:rPr lang="fr-FR" sz="2400" dirty="0" err="1" smtClean="0">
+              <a:rPr lang="fr-FR" sz="2400" dirty="0" err="1">
                 <a:solidFill>
                   <a:schemeClr val="tx1">
                     <a:lumMod val="75000"/>
@@ -3977,7 +3906,7 @@
               </a:rPr>
               <a:t>Jaafar</a:t>
             </a:r>
-            <a:endParaRPr lang="fr-FR" sz="2400" dirty="0" smtClean="0">
+            <a:endParaRPr lang="fr-FR" sz="2400" dirty="0">
               <a:solidFill>
                 <a:schemeClr val="tx1">
                   <a:lumMod val="75000"/>
@@ -3994,7 +3923,7 @@
               </a:lnSpc>
             </a:pPr>
             <a:r>
-              <a:rPr lang="fr-FR" sz="2000" i="1" dirty="0" smtClean="0">
+              <a:rPr lang="fr-FR" sz="2000" i="1" dirty="0">
                 <a:solidFill>
                   <a:schemeClr val="tx1">
                     <a:lumMod val="50000"/>
@@ -4005,15 +3934,6 @@
               </a:rPr>
               <a:t>Développeur Junior</a:t>
             </a:r>
-            <a:endParaRPr lang="fr-FR" sz="2000" i="1" dirty="0">
-              <a:solidFill>
-                <a:schemeClr val="tx1">
-                  <a:lumMod val="50000"/>
-                  <a:lumOff val="50000"/>
-                </a:schemeClr>
-              </a:solidFill>
-              <a:latin typeface="+mj-lt"/>
-            </a:endParaRPr>
           </a:p>
           <a:p>
             <a:pPr>
@@ -4171,7 +4091,7 @@
           <a:graphicData uri="http://schemas.openxmlformats.org/presentationml/2006/ole">
             <mc:AlternateContent xmlns:mc="http://schemas.openxmlformats.org/markup-compatibility/2006">
               <mc:Choice xmlns:v="urn:schemas-microsoft-com:vml" Requires="v">
-                <p:oleObj spid="_x0000_s1029" r:id="rId8" imgW="13002840" imgH="406080" progId="">
+                <p:oleObj spid="_x0000_s1035" r:id="rId8" imgW="13002840" imgH="406080" progId="">
                   <p:embed/>
                 </p:oleObj>
               </mc:Choice>
@@ -4228,7 +4148,7 @@
           <a:graphicData uri="http://schemas.openxmlformats.org/presentationml/2006/ole">
             <mc:AlternateContent xmlns:mc="http://schemas.openxmlformats.org/markup-compatibility/2006">
               <mc:Choice xmlns:v="urn:schemas-microsoft-com:vml" Requires="v">
-                <p:oleObj spid="_x0000_s1030" r:id="rId10" imgW="13002840" imgH="406080" progId="">
+                <p:oleObj spid="_x0000_s1036" r:id="rId10" imgW="13002840" imgH="406080" progId="">
                   <p:embed/>
                 </p:oleObj>
               </mc:Choice>
@@ -4335,7 +4255,7 @@
           <a:lstStyle/>
           <a:p>
             <a:r>
-              <a:rPr lang="fr-FR" sz="2400" dirty="0" smtClean="0">
+              <a:rPr lang="fr-FR" sz="2400" dirty="0">
                 <a:solidFill>
                   <a:schemeClr val="bg1"/>
                 </a:solidFill>
@@ -4358,13 +4278,6 @@
   <p:clrMapOvr>
     <a:masterClrMapping/>
   </p:clrMapOvr>
-  <p:timing>
-    <p:tnLst>
-      <p:par>
-        <p:cTn id="1" dur="indefinite" restart="never" nodeType="tmRoot"/>
-      </p:par>
-    </p:tnLst>
-  </p:timing>
 </p:sld>
 </file>
 
@@ -4407,7 +4320,7 @@
           <a:graphicData uri="http://schemas.openxmlformats.org/presentationml/2006/ole">
             <mc:AlternateContent xmlns:mc="http://schemas.openxmlformats.org/markup-compatibility/2006">
               <mc:Choice xmlns:v="urn:schemas-microsoft-com:vml" Requires="v">
-                <p:oleObj spid="_x0000_s3080" r:id="rId3" imgW="13002840" imgH="406080" progId="">
+                <p:oleObj spid="_x0000_s3086" r:id="rId3" imgW="13002840" imgH="406080" progId="">
                   <p:embed/>
                 </p:oleObj>
               </mc:Choice>
@@ -4464,7 +4377,7 @@
           <a:graphicData uri="http://schemas.openxmlformats.org/presentationml/2006/ole">
             <mc:AlternateContent xmlns:mc="http://schemas.openxmlformats.org/markup-compatibility/2006">
               <mc:Choice xmlns:v="urn:schemas-microsoft-com:vml" Requires="v">
-                <p:oleObj spid="_x0000_s3081" r:id="rId5" imgW="13002840" imgH="406080" progId="">
+                <p:oleObj spid="_x0000_s3087" r:id="rId5" imgW="13002840" imgH="406080" progId="">
                   <p:embed/>
                 </p:oleObj>
               </mc:Choice>
@@ -4571,7 +4484,7 @@
           <a:lstStyle/>
           <a:p>
             <a:r>
-              <a:rPr lang="fr-FR" sz="2400" dirty="0" smtClean="0">
+              <a:rPr lang="fr-FR" sz="2400" dirty="0">
                 <a:solidFill>
                   <a:schemeClr val="bg1"/>
                 </a:solidFill>
@@ -4782,13 +4695,6 @@
   <p:clrMapOvr>
     <a:masterClrMapping/>
   </p:clrMapOvr>
-  <p:timing>
-    <p:tnLst>
-      <p:par>
-        <p:cTn id="1" dur="indefinite" restart="never" nodeType="tmRoot"/>
-      </p:par>
-    </p:tnLst>
-  </p:timing>
 </p:sld>
 </file>
 
@@ -4831,7 +4737,7 @@
           <a:graphicData uri="http://schemas.openxmlformats.org/presentationml/2006/ole">
             <mc:AlternateContent xmlns:mc="http://schemas.openxmlformats.org/markup-compatibility/2006">
               <mc:Choice xmlns:v="urn:schemas-microsoft-com:vml" Requires="v">
-                <p:oleObj spid="_x0000_s8198" r:id="rId3" imgW="13002840" imgH="406080" progId="">
+                <p:oleObj spid="_x0000_s8204" r:id="rId3" imgW="13002840" imgH="406080" progId="">
                   <p:embed/>
                 </p:oleObj>
               </mc:Choice>
@@ -4888,7 +4794,7 @@
           <a:graphicData uri="http://schemas.openxmlformats.org/presentationml/2006/ole">
             <mc:AlternateContent xmlns:mc="http://schemas.openxmlformats.org/markup-compatibility/2006">
               <mc:Choice xmlns:v="urn:schemas-microsoft-com:vml" Requires="v">
-                <p:oleObj spid="_x0000_s8199" r:id="rId5" imgW="13002840" imgH="406080" progId="">
+                <p:oleObj spid="_x0000_s8205" r:id="rId5" imgW="13002840" imgH="406080" progId="">
                   <p:embed/>
                 </p:oleObj>
               </mc:Choice>
@@ -4995,7 +4901,7 @@
           <a:lstStyle/>
           <a:p>
             <a:r>
-              <a:rPr lang="fr-FR" sz="2400" dirty="0" smtClean="0">
+              <a:rPr lang="fr-FR" sz="2400" dirty="0">
                 <a:solidFill>
                   <a:schemeClr val="bg1"/>
                 </a:solidFill>
@@ -5008,6 +4914,119 @@
           </a:p>
         </p:txBody>
       </p:sp>
+      <p:sp>
+        <p:nvSpPr>
+          <p:cNvPr id="6" name="ZoneTexte 5">
+            <a:extLst>
+              <a:ext uri="{FF2B5EF4-FFF2-40B4-BE49-F238E27FC236}">
+                <a16:creationId xmlns:a16="http://schemas.microsoft.com/office/drawing/2014/main" id="{F16D0DD9-74DB-48D6-AE74-A0D7219E3172}"/>
+              </a:ext>
+            </a:extLst>
+          </p:cNvPr>
+          <p:cNvSpPr txBox="1"/>
+          <p:nvPr/>
+        </p:nvSpPr>
+        <p:spPr>
+          <a:xfrm>
+            <a:off x="980873" y="1440923"/>
+            <a:ext cx="7791854" cy="1754326"/>
+          </a:xfrm>
+          <a:prstGeom prst="rect">
+            <a:avLst/>
+          </a:prstGeom>
+          <a:noFill/>
+        </p:spPr>
+        <p:txBody>
+          <a:bodyPr wrap="square" rtlCol="0">
+            <a:spAutoFit/>
+          </a:bodyPr>
+          <a:lstStyle/>
+          <a:p>
+            <a:pPr>
+              <a:lnSpc>
+                <a:spcPct val="150000"/>
+              </a:lnSpc>
+            </a:pPr>
+            <a:r>
+              <a:rPr lang="fr-FR" sz="2400" dirty="0" err="1">
+                <a:latin typeface="Calibri Light" panose="020F0302020204030204" pitchFamily="34" charset="0"/>
+                <a:cs typeface="Calibri Light" panose="020F0302020204030204" pitchFamily="34" charset="0"/>
+              </a:rPr>
+              <a:t>Arkanoïd</a:t>
+            </a:r>
+            <a:endParaRPr lang="fr-FR" sz="2400" dirty="0">
+              <a:latin typeface="Calibri Light" panose="020F0302020204030204" pitchFamily="34" charset="0"/>
+              <a:cs typeface="Calibri Light" panose="020F0302020204030204" pitchFamily="34" charset="0"/>
+            </a:endParaRPr>
+          </a:p>
+          <a:p>
+            <a:pPr marL="342900" indent="-342900">
+              <a:lnSpc>
+                <a:spcPct val="150000"/>
+              </a:lnSpc>
+              <a:buFont typeface="Arial" panose="020B0604020202020204" pitchFamily="34" charset="0"/>
+              <a:buChar char="•"/>
+            </a:pPr>
+            <a:r>
+              <a:rPr lang="fr-FR" sz="2400" dirty="0">
+                <a:latin typeface="Calibri Light" panose="020F0302020204030204" pitchFamily="34" charset="0"/>
+                <a:cs typeface="Calibri Light" panose="020F0302020204030204" pitchFamily="34" charset="0"/>
+              </a:rPr>
+              <a:t>But: casser toutes les briques</a:t>
+            </a:r>
+          </a:p>
+          <a:p>
+            <a:pPr>
+              <a:lnSpc>
+                <a:spcPct val="150000"/>
+              </a:lnSpc>
+            </a:pPr>
+            <a:r>
+              <a:rPr lang="fr-FR" sz="2400" dirty="0">
+                <a:latin typeface="Calibri Light" panose="020F0302020204030204" pitchFamily="34" charset="0"/>
+                <a:cs typeface="Calibri Light" panose="020F0302020204030204" pitchFamily="34" charset="0"/>
+              </a:rPr>
+              <a:t>NES (Nintendo Entertainment System)</a:t>
+            </a:r>
+          </a:p>
+        </p:txBody>
+      </p:sp>
+      <p:pic>
+        <p:nvPicPr>
+          <p:cNvPr id="3" name="Image 2">
+            <a:extLst>
+              <a:ext uri="{FF2B5EF4-FFF2-40B4-BE49-F238E27FC236}">
+                <a16:creationId xmlns:a16="http://schemas.microsoft.com/office/drawing/2014/main" id="{CFEA1E9E-8DF5-40F1-9EFC-3BA7778F6C01}"/>
+              </a:ext>
+            </a:extLst>
+          </p:cNvPr>
+          <p:cNvPicPr>
+            <a:picLocks noChangeAspect="1"/>
+          </p:cNvPicPr>
+          <p:nvPr/>
+        </p:nvPicPr>
+        <p:blipFill>
+          <a:blip r:embed="rId6" cstate="print">
+            <a:extLst>
+              <a:ext uri="{28A0092B-C50C-407E-A947-70E740481C1C}">
+                <a14:useLocalDpi xmlns:a14="http://schemas.microsoft.com/office/drawing/2010/main" val="0"/>
+              </a:ext>
+            </a:extLst>
+          </a:blip>
+          <a:stretch>
+            <a:fillRect/>
+          </a:stretch>
+        </p:blipFill>
+        <p:spPr>
+          <a:xfrm>
+            <a:off x="4566373" y="2390706"/>
+            <a:ext cx="7315060" cy="3973754"/>
+          </a:xfrm>
+          <a:prstGeom prst="rect">
+            <a:avLst/>
+          </a:prstGeom>
+        </p:spPr>
+      </p:pic>
     </p:spTree>
     <p:extLst>
       <p:ext uri="{BB962C8B-B14F-4D97-AF65-F5344CB8AC3E}">
@@ -5018,13 +5037,6 @@
   <p:clrMapOvr>
     <a:masterClrMapping/>
   </p:clrMapOvr>
-  <p:timing>
-    <p:tnLst>
-      <p:par>
-        <p:cTn id="1" dur="indefinite" restart="never" nodeType="tmRoot"/>
-      </p:par>
-    </p:tnLst>
-  </p:timing>
 </p:sld>
 </file>
 
@@ -5067,7 +5079,7 @@
           <a:graphicData uri="http://schemas.openxmlformats.org/presentationml/2006/ole">
             <mc:AlternateContent xmlns:mc="http://schemas.openxmlformats.org/markup-compatibility/2006">
               <mc:Choice xmlns:v="urn:schemas-microsoft-com:vml" Requires="v">
-                <p:oleObj spid="_x0000_s4112" r:id="rId3" imgW="13002840" imgH="406080" progId="">
+                <p:oleObj spid="_x0000_s4127" r:id="rId3" imgW="13002840" imgH="406080" progId="">
                   <p:embed/>
                 </p:oleObj>
               </mc:Choice>
@@ -5124,7 +5136,7 @@
           <a:graphicData uri="http://schemas.openxmlformats.org/presentationml/2006/ole">
             <mc:AlternateContent xmlns:mc="http://schemas.openxmlformats.org/markup-compatibility/2006">
               <mc:Choice xmlns:v="urn:schemas-microsoft-com:vml" Requires="v">
-                <p:oleObj spid="_x0000_s4113" r:id="rId5" imgW="13002840" imgH="406080" progId="">
+                <p:oleObj spid="_x0000_s4128" r:id="rId5" imgW="13002840" imgH="406080" progId="">
                   <p:embed/>
                 </p:oleObj>
               </mc:Choice>
@@ -5231,18 +5243,13 @@
           <a:lstStyle/>
           <a:p>
             <a:r>
-              <a:rPr lang="fr-FR" sz="2400" dirty="0" smtClean="0">
+              <a:rPr lang="fr-FR" sz="2400" dirty="0">
                 <a:solidFill>
                   <a:schemeClr val="bg1"/>
                 </a:solidFill>
               </a:rPr>
               <a:t>CONTRÔLES</a:t>
             </a:r>
-            <a:endParaRPr lang="fr-FR" sz="2400" dirty="0" smtClean="0">
-              <a:solidFill>
-                <a:schemeClr val="bg1"/>
-              </a:solidFill>
-            </a:endParaRPr>
           </a:p>
           <a:p>
             <a:endParaRPr lang="fr-FR" dirty="0"/>
@@ -5271,7 +5278,7 @@
           <a:graphicData uri="http://schemas.openxmlformats.org/presentationml/2006/ole">
             <mc:AlternateContent xmlns:mc="http://schemas.openxmlformats.org/markup-compatibility/2006">
               <mc:Choice xmlns:v="urn:schemas-microsoft-com:vml" Requires="v">
-                <p:oleObj spid="_x0000_s4114" r:id="rId6" imgW="17739360" imgH="8025120" progId="">
+                <p:oleObj spid="_x0000_s4129" r:id="rId6" imgW="17739360" imgH="8025120" progId="">
                   <p:embed/>
                 </p:oleObj>
               </mc:Choice>
@@ -5328,7 +5335,7 @@
           <a:graphicData uri="http://schemas.openxmlformats.org/presentationml/2006/ole">
             <mc:AlternateContent xmlns:mc="http://schemas.openxmlformats.org/markup-compatibility/2006">
               <mc:Choice xmlns:v="urn:schemas-microsoft-com:vml" Requires="v">
-                <p:oleObj spid="_x0000_s4115" r:id="rId8" imgW="1472760" imgH="1485360" progId="">
+                <p:oleObj spid="_x0000_s4130" r:id="rId8" imgW="1472760" imgH="1485360" progId="">
                   <p:embed/>
                 </p:oleObj>
               </mc:Choice>
@@ -5385,7 +5392,7 @@
           <a:graphicData uri="http://schemas.openxmlformats.org/presentationml/2006/ole">
             <mc:AlternateContent xmlns:mc="http://schemas.openxmlformats.org/markup-compatibility/2006">
               <mc:Choice xmlns:v="urn:schemas-microsoft-com:vml" Requires="v">
-                <p:oleObj spid="_x0000_s4116" r:id="rId10" imgW="2691720" imgH="749160" progId="">
+                <p:oleObj spid="_x0000_s4131" r:id="rId10" imgW="2691720" imgH="749160" progId="">
                   <p:embed/>
                 </p:oleObj>
               </mc:Choice>
@@ -5443,10 +5450,9 @@
           <a:lstStyle/>
           <a:p>
             <a:r>
-              <a:rPr lang="fr-FR" dirty="0" smtClean="0"/>
+              <a:rPr lang="fr-FR" dirty="0"/>
               <a:t>Bouger la barre dans le sens des flèches</a:t>
             </a:r>
-            <a:endParaRPr lang="fr-FR" dirty="0"/>
           </a:p>
         </p:txBody>
       </p:sp>
@@ -5473,10 +5479,9 @@
           <a:lstStyle/>
           <a:p>
             <a:r>
-              <a:rPr lang="fr-FR" dirty="0" smtClean="0"/>
+              <a:rPr lang="fr-FR" dirty="0"/>
               <a:t>Lancer la balle lorsqu’elle est sur la barre</a:t>
             </a:r>
-            <a:endParaRPr lang="fr-FR" dirty="0"/>
           </a:p>
         </p:txBody>
       </p:sp>
@@ -5490,13 +5495,6 @@
   <p:clrMapOvr>
     <a:masterClrMapping/>
   </p:clrMapOvr>
-  <p:timing>
-    <p:tnLst>
-      <p:par>
-        <p:cTn id="1" dur="indefinite" restart="never" nodeType="tmRoot"/>
-      </p:par>
-    </p:tnLst>
-  </p:timing>
 </p:sld>
 </file>
 
@@ -5539,7 +5537,7 @@
           <a:graphicData uri="http://schemas.openxmlformats.org/presentationml/2006/ole">
             <mc:AlternateContent xmlns:mc="http://schemas.openxmlformats.org/markup-compatibility/2006">
               <mc:Choice xmlns:v="urn:schemas-microsoft-com:vml" Requires="v">
-                <p:oleObj spid="_x0000_s7172" r:id="rId3" imgW="13002840" imgH="406080" progId="">
+                <p:oleObj spid="_x0000_s7178" r:id="rId3" imgW="13002840" imgH="406080" progId="">
                   <p:embed/>
                 </p:oleObj>
               </mc:Choice>
@@ -5596,7 +5594,7 @@
           <a:graphicData uri="http://schemas.openxmlformats.org/presentationml/2006/ole">
             <mc:AlternateContent xmlns:mc="http://schemas.openxmlformats.org/markup-compatibility/2006">
               <mc:Choice xmlns:v="urn:schemas-microsoft-com:vml" Requires="v">
-                <p:oleObj spid="_x0000_s7173" r:id="rId5" imgW="13002840" imgH="406080" progId="">
+                <p:oleObj spid="_x0000_s7179" r:id="rId5" imgW="13002840" imgH="406080" progId="">
                   <p:embed/>
                 </p:oleObj>
               </mc:Choice>
@@ -5703,7 +5701,7 @@
           <a:lstStyle/>
           <a:p>
             <a:r>
-              <a:rPr lang="fr-FR" sz="2400" dirty="0" smtClean="0">
+              <a:rPr lang="fr-FR" sz="2400" dirty="0">
                 <a:solidFill>
                   <a:schemeClr val="bg1"/>
                 </a:solidFill>
@@ -5713,6 +5711,125 @@
           </a:p>
           <a:p>
             <a:endParaRPr lang="fr-FR" dirty="0"/>
+          </a:p>
+        </p:txBody>
+      </p:sp>
+      <p:sp>
+        <p:nvSpPr>
+          <p:cNvPr id="7" name="ZoneTexte 6">
+            <a:extLst>
+              <a:ext uri="{FF2B5EF4-FFF2-40B4-BE49-F238E27FC236}">
+                <a16:creationId xmlns:a16="http://schemas.microsoft.com/office/drawing/2014/main" id="{E22C0459-609A-4135-A270-B2B3A354C999}"/>
+              </a:ext>
+            </a:extLst>
+          </p:cNvPr>
+          <p:cNvSpPr txBox="1"/>
+          <p:nvPr/>
+        </p:nvSpPr>
+        <p:spPr>
+          <a:xfrm>
+            <a:off x="894981" y="1440923"/>
+            <a:ext cx="7791854" cy="3416320"/>
+          </a:xfrm>
+          <a:prstGeom prst="rect">
+            <a:avLst/>
+          </a:prstGeom>
+          <a:noFill/>
+        </p:spPr>
+        <p:txBody>
+          <a:bodyPr wrap="square" rtlCol="0">
+            <a:spAutoFit/>
+          </a:bodyPr>
+          <a:lstStyle/>
+          <a:p>
+            <a:pPr>
+              <a:lnSpc>
+                <a:spcPct val="150000"/>
+              </a:lnSpc>
+            </a:pPr>
+            <a:r>
+              <a:rPr lang="fr-FR" sz="2400" dirty="0">
+                <a:latin typeface="Calibri Light" panose="020F0302020204030204" pitchFamily="34" charset="0"/>
+                <a:cs typeface="Calibri Light" panose="020F0302020204030204" pitchFamily="34" charset="0"/>
+              </a:rPr>
+              <a:t>Casser des briques</a:t>
+            </a:r>
+          </a:p>
+          <a:p>
+            <a:pPr>
+              <a:lnSpc>
+                <a:spcPct val="150000"/>
+              </a:lnSpc>
+            </a:pPr>
+            <a:r>
+              <a:rPr lang="fr-FR" sz="2400" dirty="0">
+                <a:latin typeface="Calibri Light" panose="020F0302020204030204" pitchFamily="34" charset="0"/>
+                <a:cs typeface="Calibri Light" panose="020F0302020204030204" pitchFamily="34" charset="0"/>
+              </a:rPr>
+              <a:t>Faire rebondir la balle</a:t>
+            </a:r>
+          </a:p>
+          <a:p>
+            <a:pPr marL="342900" indent="-342900">
+              <a:lnSpc>
+                <a:spcPct val="150000"/>
+              </a:lnSpc>
+              <a:buFont typeface="Arial" panose="020B0604020202020204" pitchFamily="34" charset="0"/>
+              <a:buChar char="•"/>
+            </a:pPr>
+            <a:r>
+              <a:rPr lang="fr-FR" sz="2400" dirty="0">
+                <a:latin typeface="Calibri Light" panose="020F0302020204030204" pitchFamily="34" charset="0"/>
+                <a:cs typeface="Calibri Light" panose="020F0302020204030204" pitchFamily="34" charset="0"/>
+              </a:rPr>
+              <a:t>Sur les murs</a:t>
+            </a:r>
+          </a:p>
+          <a:p>
+            <a:pPr marL="342900" indent="-342900">
+              <a:lnSpc>
+                <a:spcPct val="150000"/>
+              </a:lnSpc>
+              <a:buFont typeface="Arial" panose="020B0604020202020204" pitchFamily="34" charset="0"/>
+              <a:buChar char="•"/>
+            </a:pPr>
+            <a:r>
+              <a:rPr lang="fr-FR" sz="2400" dirty="0">
+                <a:latin typeface="Calibri Light" panose="020F0302020204030204" pitchFamily="34" charset="0"/>
+                <a:cs typeface="Calibri Light" panose="020F0302020204030204" pitchFamily="34" charset="0"/>
+              </a:rPr>
+              <a:t>Sur les briques</a:t>
+            </a:r>
+          </a:p>
+          <a:p>
+            <a:pPr marL="342900" indent="-342900">
+              <a:lnSpc>
+                <a:spcPct val="150000"/>
+              </a:lnSpc>
+              <a:buFont typeface="Arial" panose="020B0604020202020204" pitchFamily="34" charset="0"/>
+              <a:buChar char="•"/>
+            </a:pPr>
+            <a:r>
+              <a:rPr lang="fr-FR" sz="2400" dirty="0">
+                <a:latin typeface="Calibri Light" panose="020F0302020204030204" pitchFamily="34" charset="0"/>
+                <a:cs typeface="Calibri Light" panose="020F0302020204030204" pitchFamily="34" charset="0"/>
+              </a:rPr>
+              <a:t>Sur la barre</a:t>
+            </a:r>
+          </a:p>
+          <a:p>
+            <a:pPr>
+              <a:lnSpc>
+                <a:spcPct val="150000"/>
+              </a:lnSpc>
+            </a:pPr>
+            <a:r>
+              <a:rPr lang="fr-FR" sz="2400" dirty="0">
+                <a:latin typeface="Calibri Light" panose="020F0302020204030204" pitchFamily="34" charset="0"/>
+                <a:cs typeface="Calibri Light" panose="020F0302020204030204" pitchFamily="34" charset="0"/>
+              </a:rPr>
+              <a:t>Super balle, elle casse tout</a:t>
+            </a:r>
           </a:p>
         </p:txBody>
       </p:sp>
@@ -5726,13 +5843,6 @@
   <p:clrMapOvr>
     <a:masterClrMapping/>
   </p:clrMapOvr>
-  <p:timing>
-    <p:tnLst>
-      <p:par>
-        <p:cTn id="1" dur="indefinite" restart="never" nodeType="tmRoot"/>
-      </p:par>
-    </p:tnLst>
-  </p:timing>
 </p:sld>
 </file>
 
@@ -5775,7 +5885,7 @@
           <a:graphicData uri="http://schemas.openxmlformats.org/presentationml/2006/ole">
             <mc:AlternateContent xmlns:mc="http://schemas.openxmlformats.org/markup-compatibility/2006">
               <mc:Choice xmlns:v="urn:schemas-microsoft-com:vml" Requires="v">
-                <p:oleObj spid="_x0000_s9220" r:id="rId3" imgW="13002840" imgH="406080" progId="">
+                <p:oleObj spid="_x0000_s6156" r:id="rId3" imgW="13002840" imgH="406080" progId="">
                   <p:embed/>
                 </p:oleObj>
               </mc:Choice>
@@ -5832,7 +5942,7 @@
           <a:graphicData uri="http://schemas.openxmlformats.org/presentationml/2006/ole">
             <mc:AlternateContent xmlns:mc="http://schemas.openxmlformats.org/markup-compatibility/2006">
               <mc:Choice xmlns:v="urn:schemas-microsoft-com:vml" Requires="v">
-                <p:oleObj spid="_x0000_s9221" r:id="rId5" imgW="13002840" imgH="406080" progId="">
+                <p:oleObj spid="_x0000_s6157" r:id="rId5" imgW="13002840" imgH="406080" progId="">
                   <p:embed/>
                 </p:oleObj>
               </mc:Choice>
@@ -5939,15 +6049,221 @@
           <a:lstStyle/>
           <a:p>
             <a:r>
-              <a:rPr lang="fr-FR" sz="2400" dirty="0" smtClean="0">
+              <a:rPr lang="fr-FR" sz="2400" dirty="0">
                 <a:solidFill>
                   <a:schemeClr val="bg1"/>
                 </a:solidFill>
               </a:rPr>
-              <a:t>FONCTIONNALITÉS</a:t>
-            </a:r>
-          </a:p>
-          <a:p>
+              <a:t>ÉVOLUTIONS</a:t>
+            </a:r>
+          </a:p>
+          <a:p>
+            <a:endParaRPr lang="fr-FR" dirty="0"/>
+          </a:p>
+        </p:txBody>
+      </p:sp>
+      <p:sp>
+        <p:nvSpPr>
+          <p:cNvPr id="10" name="ZoneTexte 9"/>
+          <p:cNvSpPr txBox="1"/>
+          <p:nvPr/>
+        </p:nvSpPr>
+        <p:spPr>
+          <a:xfrm>
+            <a:off x="1961746" y="1811481"/>
+            <a:ext cx="7791854" cy="4293483"/>
+          </a:xfrm>
+          <a:prstGeom prst="rect">
+            <a:avLst/>
+          </a:prstGeom>
+          <a:noFill/>
+        </p:spPr>
+        <p:txBody>
+          <a:bodyPr wrap="square" rtlCol="0">
+            <a:spAutoFit/>
+          </a:bodyPr>
+          <a:lstStyle/>
+          <a:p>
+            <a:pPr marL="342900" indent="-342900">
+              <a:lnSpc>
+                <a:spcPct val="150000"/>
+              </a:lnSpc>
+              <a:buFontTx/>
+              <a:buChar char="-"/>
+            </a:pPr>
+            <a:r>
+              <a:rPr lang="fr-FR" sz="2400" dirty="0">
+                <a:solidFill>
+                  <a:schemeClr val="tx1">
+                    <a:lumMod val="65000"/>
+                    <a:lumOff val="35000"/>
+                  </a:schemeClr>
+                </a:solidFill>
+                <a:latin typeface="+mj-lt"/>
+              </a:rPr>
+              <a:t>Plus de contenu </a:t>
+            </a:r>
+          </a:p>
+          <a:p>
+            <a:pPr marL="800100" lvl="1" indent="-342900">
+              <a:buFontTx/>
+              <a:buChar char="-"/>
+            </a:pPr>
+            <a:r>
+              <a:rPr lang="fr-FR" sz="2400" dirty="0">
+                <a:solidFill>
+                  <a:schemeClr val="tx1">
+                    <a:lumMod val="65000"/>
+                    <a:lumOff val="35000"/>
+                  </a:schemeClr>
+                </a:solidFill>
+                <a:latin typeface="+mj-lt"/>
+              </a:rPr>
+              <a:t>Bonus</a:t>
+            </a:r>
+          </a:p>
+          <a:p>
+            <a:pPr marL="800100" lvl="1" indent="-342900">
+              <a:buFontTx/>
+              <a:buChar char="-"/>
+            </a:pPr>
+            <a:r>
+              <a:rPr lang="fr-FR" sz="2400" dirty="0">
+                <a:solidFill>
+                  <a:schemeClr val="tx1">
+                    <a:lumMod val="65000"/>
+                    <a:lumOff val="35000"/>
+                  </a:schemeClr>
+                </a:solidFill>
+                <a:latin typeface="+mj-lt"/>
+              </a:rPr>
+              <a:t>Niveaux</a:t>
+            </a:r>
+          </a:p>
+          <a:p>
+            <a:pPr marL="800100" lvl="1" indent="-342900">
+              <a:buFontTx/>
+              <a:buChar char="-"/>
+            </a:pPr>
+            <a:r>
+              <a:rPr lang="fr-FR" sz="2400" dirty="0">
+                <a:solidFill>
+                  <a:schemeClr val="tx1">
+                    <a:lumMod val="65000"/>
+                    <a:lumOff val="35000"/>
+                  </a:schemeClr>
+                </a:solidFill>
+                <a:latin typeface="+mj-lt"/>
+              </a:rPr>
+              <a:t>Vies</a:t>
+            </a:r>
+          </a:p>
+          <a:p>
+            <a:pPr marL="800100" lvl="1" indent="-342900">
+              <a:buFontTx/>
+              <a:buChar char="-"/>
+            </a:pPr>
+            <a:r>
+              <a:rPr lang="fr-FR" sz="2400" dirty="0">
+                <a:solidFill>
+                  <a:schemeClr val="tx1">
+                    <a:lumMod val="65000"/>
+                    <a:lumOff val="35000"/>
+                  </a:schemeClr>
+                </a:solidFill>
+                <a:latin typeface="+mj-lt"/>
+              </a:rPr>
+              <a:t>Score</a:t>
+            </a:r>
+          </a:p>
+          <a:p>
+            <a:pPr marL="800100" lvl="1" indent="-342900">
+              <a:buFontTx/>
+              <a:buChar char="-"/>
+            </a:pPr>
+            <a:endParaRPr lang="fr-FR" sz="2400" dirty="0">
+              <a:solidFill>
+                <a:schemeClr val="tx1">
+                  <a:lumMod val="65000"/>
+                  <a:lumOff val="35000"/>
+                </a:schemeClr>
+              </a:solidFill>
+              <a:latin typeface="+mj-lt"/>
+            </a:endParaRPr>
+          </a:p>
+          <a:p>
+            <a:pPr marL="342900" indent="-342900">
+              <a:buFontTx/>
+              <a:buChar char="-"/>
+            </a:pPr>
+            <a:r>
+              <a:rPr lang="fr-FR" sz="2400" dirty="0">
+                <a:solidFill>
+                  <a:schemeClr val="tx1">
+                    <a:lumMod val="65000"/>
+                    <a:lumOff val="35000"/>
+                  </a:schemeClr>
+                </a:solidFill>
+                <a:latin typeface="+mj-lt"/>
+              </a:rPr>
+              <a:t>Musiques et bruitages</a:t>
+            </a:r>
+          </a:p>
+          <a:p>
+            <a:pPr marL="342900" indent="-342900">
+              <a:buFontTx/>
+              <a:buChar char="-"/>
+            </a:pPr>
+            <a:endParaRPr lang="fr-FR" sz="2400" dirty="0">
+              <a:solidFill>
+                <a:schemeClr val="tx1">
+                  <a:lumMod val="65000"/>
+                  <a:lumOff val="35000"/>
+                </a:schemeClr>
+              </a:solidFill>
+              <a:latin typeface="+mj-lt"/>
+            </a:endParaRPr>
+          </a:p>
+          <a:p>
+            <a:pPr marL="342900" indent="-342900">
+              <a:buFontTx/>
+              <a:buChar char="-"/>
+            </a:pPr>
+            <a:r>
+              <a:rPr lang="fr-FR" sz="2400" dirty="0">
+                <a:solidFill>
+                  <a:schemeClr val="tx1">
+                    <a:lumMod val="65000"/>
+                    <a:lumOff val="35000"/>
+                  </a:schemeClr>
+                </a:solidFill>
+                <a:latin typeface="+mj-lt"/>
+              </a:rPr>
+              <a:t>Menu</a:t>
+            </a:r>
+          </a:p>
+          <a:p>
+            <a:pPr marL="400050" indent="-400050">
+              <a:lnSpc>
+                <a:spcPct val="150000"/>
+              </a:lnSpc>
+              <a:buAutoNum type="romanUcPeriod"/>
+            </a:pPr>
+            <a:r>
+              <a:rPr lang="fr-FR" dirty="0">
+                <a:solidFill>
+                  <a:schemeClr val="bg1"/>
+                </a:solidFill>
+                <a:latin typeface="Exo 2.0" panose="00000500000000000000" pitchFamily="50" charset="0"/>
+              </a:rPr>
+              <a:t>É</a:t>
+            </a:r>
+            <a:endParaRPr lang="fr-FR" dirty="0"/>
+          </a:p>
+          <a:p>
+            <a:pPr marL="400050" indent="-400050">
+              <a:buAutoNum type="romanUcPeriod"/>
+            </a:pPr>
             <a:endParaRPr lang="fr-FR" dirty="0"/>
           </a:p>
         </p:txBody>
@@ -5955,20 +6271,13 @@
     </p:spTree>
     <p:extLst>
       <p:ext uri="{BB962C8B-B14F-4D97-AF65-F5344CB8AC3E}">
-        <p14:creationId xmlns:p14="http://schemas.microsoft.com/office/powerpoint/2010/main" val="362527528"/>
+        <p14:creationId xmlns:p14="http://schemas.microsoft.com/office/powerpoint/2010/main" val="2186105396"/>
       </p:ext>
     </p:extLst>
   </p:cSld>
   <p:clrMapOvr>
     <a:masterClrMapping/>
   </p:clrMapOvr>
-  <p:timing>
-    <p:tnLst>
-      <p:par>
-        <p:cTn id="1" dur="indefinite" restart="never" nodeType="tmRoot"/>
-      </p:par>
-    </p:tnLst>
-  </p:timing>
 </p:sld>
 </file>
 
@@ -6011,7 +6320,7 @@
           <a:graphicData uri="http://schemas.openxmlformats.org/presentationml/2006/ole">
             <mc:AlternateContent xmlns:mc="http://schemas.openxmlformats.org/markup-compatibility/2006">
               <mc:Choice xmlns:v="urn:schemas-microsoft-com:vml" Requires="v">
-                <p:oleObj spid="_x0000_s6150" r:id="rId3" imgW="13002840" imgH="406080" progId="">
+                <p:oleObj spid="_x0000_s5130" r:id="rId3" imgW="13002840" imgH="406080" progId="">
                   <p:embed/>
                 </p:oleObj>
               </mc:Choice>
@@ -6068,7 +6377,7 @@
           <a:graphicData uri="http://schemas.openxmlformats.org/presentationml/2006/ole">
             <mc:AlternateContent xmlns:mc="http://schemas.openxmlformats.org/markup-compatibility/2006">
               <mc:Choice xmlns:v="urn:schemas-microsoft-com:vml" Requires="v">
-                <p:oleObj spid="_x0000_s6151" r:id="rId5" imgW="13002840" imgH="406080" progId="">
+                <p:oleObj spid="_x0000_s5131" r:id="rId5" imgW="13002840" imgH="406080" progId="">
                   <p:embed/>
                 </p:oleObj>
               </mc:Choice>
@@ -6175,467 +6484,7 @@
           <a:lstStyle/>
           <a:p>
             <a:r>
-              <a:rPr lang="fr-FR" sz="2400" dirty="0" smtClean="0">
-                <a:solidFill>
-                  <a:schemeClr val="bg1"/>
-                </a:solidFill>
-              </a:rPr>
-              <a:t>ÉVOLUTIONS</a:t>
-            </a:r>
-          </a:p>
-          <a:p>
-            <a:endParaRPr lang="fr-FR" dirty="0"/>
-          </a:p>
-        </p:txBody>
-      </p:sp>
-      <p:sp>
-        <p:nvSpPr>
-          <p:cNvPr id="10" name="ZoneTexte 9"/>
-          <p:cNvSpPr txBox="1"/>
-          <p:nvPr/>
-        </p:nvSpPr>
-        <p:spPr>
-          <a:xfrm>
-            <a:off x="1961746" y="1811481"/>
-            <a:ext cx="7791854" cy="4293483"/>
-          </a:xfrm>
-          <a:prstGeom prst="rect">
-            <a:avLst/>
-          </a:prstGeom>
-          <a:noFill/>
-        </p:spPr>
-        <p:txBody>
-          <a:bodyPr wrap="square" rtlCol="0">
-            <a:spAutoFit/>
-          </a:bodyPr>
-          <a:lstStyle/>
-          <a:p>
-            <a:pPr marL="342900" indent="-342900">
-              <a:lnSpc>
-                <a:spcPct val="150000"/>
-              </a:lnSpc>
-              <a:buFontTx/>
-              <a:buChar char="-"/>
-            </a:pPr>
-            <a:r>
-              <a:rPr lang="fr-FR" sz="2400" dirty="0" smtClean="0">
-                <a:solidFill>
-                  <a:schemeClr val="tx1">
-                    <a:lumMod val="65000"/>
-                    <a:lumOff val="35000"/>
-                  </a:schemeClr>
-                </a:solidFill>
-                <a:latin typeface="+mj-lt"/>
-              </a:rPr>
-              <a:t>Plus de contenu </a:t>
-            </a:r>
-          </a:p>
-          <a:p>
-            <a:pPr marL="800100" lvl="1" indent="-342900">
-              <a:buFontTx/>
-              <a:buChar char="-"/>
-            </a:pPr>
-            <a:r>
-              <a:rPr lang="fr-FR" sz="2400" dirty="0" smtClean="0">
-                <a:solidFill>
-                  <a:schemeClr val="tx1">
-                    <a:lumMod val="65000"/>
-                    <a:lumOff val="35000"/>
-                  </a:schemeClr>
-                </a:solidFill>
-                <a:latin typeface="+mj-lt"/>
-              </a:rPr>
-              <a:t>Bonus</a:t>
-            </a:r>
-          </a:p>
-          <a:p>
-            <a:pPr marL="800100" lvl="1" indent="-342900">
-              <a:buFontTx/>
-              <a:buChar char="-"/>
-            </a:pPr>
-            <a:r>
-              <a:rPr lang="fr-FR" sz="2400" dirty="0" smtClean="0">
-                <a:solidFill>
-                  <a:schemeClr val="tx1">
-                    <a:lumMod val="65000"/>
-                    <a:lumOff val="35000"/>
-                  </a:schemeClr>
-                </a:solidFill>
-                <a:latin typeface="+mj-lt"/>
-              </a:rPr>
-              <a:t>Niveaux</a:t>
-            </a:r>
-          </a:p>
-          <a:p>
-            <a:pPr marL="800100" lvl="1" indent="-342900">
-              <a:buFontTx/>
-              <a:buChar char="-"/>
-            </a:pPr>
-            <a:r>
-              <a:rPr lang="fr-FR" sz="2400" dirty="0" smtClean="0">
-                <a:solidFill>
-                  <a:schemeClr val="tx1">
-                    <a:lumMod val="65000"/>
-                    <a:lumOff val="35000"/>
-                  </a:schemeClr>
-                </a:solidFill>
-                <a:latin typeface="+mj-lt"/>
-              </a:rPr>
-              <a:t>Vies</a:t>
-            </a:r>
-          </a:p>
-          <a:p>
-            <a:pPr marL="800100" lvl="1" indent="-342900">
-              <a:buFontTx/>
-              <a:buChar char="-"/>
-            </a:pPr>
-            <a:r>
-              <a:rPr lang="fr-FR" sz="2400" dirty="0" smtClean="0">
-                <a:solidFill>
-                  <a:schemeClr val="tx1">
-                    <a:lumMod val="65000"/>
-                    <a:lumOff val="35000"/>
-                  </a:schemeClr>
-                </a:solidFill>
-                <a:latin typeface="+mj-lt"/>
-              </a:rPr>
-              <a:t>Score</a:t>
-            </a:r>
-          </a:p>
-          <a:p>
-            <a:pPr marL="800100" lvl="1" indent="-342900">
-              <a:buFontTx/>
-              <a:buChar char="-"/>
-            </a:pPr>
-            <a:endParaRPr lang="fr-FR" sz="2400" dirty="0" smtClean="0">
-              <a:solidFill>
-                <a:schemeClr val="tx1">
-                  <a:lumMod val="65000"/>
-                  <a:lumOff val="35000"/>
-                </a:schemeClr>
-              </a:solidFill>
-              <a:latin typeface="+mj-lt"/>
-            </a:endParaRPr>
-          </a:p>
-          <a:p>
-            <a:pPr marL="342900" indent="-342900">
-              <a:buFontTx/>
-              <a:buChar char="-"/>
-            </a:pPr>
-            <a:r>
-              <a:rPr lang="fr-FR" sz="2400" dirty="0" smtClean="0">
-                <a:solidFill>
-                  <a:schemeClr val="tx1">
-                    <a:lumMod val="65000"/>
-                    <a:lumOff val="35000"/>
-                  </a:schemeClr>
-                </a:solidFill>
-                <a:latin typeface="+mj-lt"/>
-              </a:rPr>
-              <a:t>Musiques et bruitages</a:t>
-            </a:r>
-            <a:endParaRPr lang="fr-FR" sz="2400" dirty="0">
-              <a:solidFill>
-                <a:schemeClr val="tx1">
-                  <a:lumMod val="65000"/>
-                  <a:lumOff val="35000"/>
-                </a:schemeClr>
-              </a:solidFill>
-              <a:latin typeface="+mj-lt"/>
-            </a:endParaRPr>
-          </a:p>
-          <a:p>
-            <a:pPr marL="342900" indent="-342900">
-              <a:buFontTx/>
-              <a:buChar char="-"/>
-            </a:pPr>
-            <a:endParaRPr lang="fr-FR" sz="2400" dirty="0" smtClean="0">
-              <a:solidFill>
-                <a:schemeClr val="tx1">
-                  <a:lumMod val="65000"/>
-                  <a:lumOff val="35000"/>
-                </a:schemeClr>
-              </a:solidFill>
-              <a:latin typeface="+mj-lt"/>
-            </a:endParaRPr>
-          </a:p>
-          <a:p>
-            <a:pPr marL="342900" indent="-342900">
-              <a:buFontTx/>
-              <a:buChar char="-"/>
-            </a:pPr>
-            <a:r>
-              <a:rPr lang="fr-FR" sz="2400" dirty="0" smtClean="0">
-                <a:solidFill>
-                  <a:schemeClr val="tx1">
-                    <a:lumMod val="65000"/>
-                    <a:lumOff val="35000"/>
-                  </a:schemeClr>
-                </a:solidFill>
-                <a:latin typeface="+mj-lt"/>
-              </a:rPr>
-              <a:t>Menu</a:t>
-            </a:r>
-            <a:endParaRPr lang="fr-FR" sz="2400" dirty="0">
-              <a:solidFill>
-                <a:schemeClr val="tx1">
-                  <a:lumMod val="65000"/>
-                  <a:lumOff val="35000"/>
-                </a:schemeClr>
-              </a:solidFill>
-              <a:latin typeface="+mj-lt"/>
-            </a:endParaRPr>
-          </a:p>
-          <a:p>
-            <a:pPr marL="400050" indent="-400050">
-              <a:lnSpc>
-                <a:spcPct val="150000"/>
-              </a:lnSpc>
-              <a:buAutoNum type="romanUcPeriod"/>
-            </a:pPr>
-            <a:r>
-              <a:rPr lang="fr-FR" dirty="0">
-                <a:solidFill>
-                  <a:schemeClr val="bg1"/>
-                </a:solidFill>
-                <a:latin typeface="Exo 2.0" panose="00000500000000000000" pitchFamily="50" charset="0"/>
-              </a:rPr>
-              <a:t>É</a:t>
-            </a:r>
-            <a:endParaRPr lang="fr-FR" dirty="0"/>
-          </a:p>
-          <a:p>
-            <a:pPr marL="400050" indent="-400050">
-              <a:buAutoNum type="romanUcPeriod"/>
-            </a:pPr>
-            <a:endParaRPr lang="fr-FR" dirty="0"/>
-          </a:p>
-        </p:txBody>
-      </p:sp>
-    </p:spTree>
-    <p:extLst>
-      <p:ext uri="{BB962C8B-B14F-4D97-AF65-F5344CB8AC3E}">
-        <p14:creationId xmlns:p14="http://schemas.microsoft.com/office/powerpoint/2010/main" val="2186105396"/>
-      </p:ext>
-    </p:extLst>
-  </p:cSld>
-  <p:clrMapOvr>
-    <a:masterClrMapping/>
-  </p:clrMapOvr>
-  <p:timing>
-    <p:tnLst>
-      <p:par>
-        <p:cTn id="1" dur="indefinite" restart="never" nodeType="tmRoot"/>
-      </p:par>
-    </p:tnLst>
-  </p:timing>
-</p:sld>
-</file>
-
-<file path=ppt/slides/slide9.xml><?xml version="1.0" encoding="utf-8"?>
-<p:sld xmlns:a="http://schemas.openxmlformats.org/drawingml/2006/main" xmlns:r="http://schemas.openxmlformats.org/officeDocument/2006/relationships" xmlns:p="http://schemas.openxmlformats.org/presentationml/2006/main">
-  <p:cSld>
-    <p:spTree>
-      <p:nvGrpSpPr>
-        <p:cNvPr id="1" name=""/>
-        <p:cNvGrpSpPr/>
-        <p:nvPr/>
-      </p:nvGrpSpPr>
-      <p:grpSpPr>
-        <a:xfrm>
-          <a:off x="0" y="0"/>
-          <a:ext cx="0" cy="0"/>
-          <a:chOff x="0" y="0"/>
-          <a:chExt cx="0" cy="0"/>
-        </a:xfrm>
-      </p:grpSpPr>
-      <p:graphicFrame>
-        <p:nvGraphicFramePr>
-          <p:cNvPr id="30" name="Objet 29"/>
-          <p:cNvGraphicFramePr>
-            <a:graphicFrameLocks noChangeAspect="1"/>
-          </p:cNvGraphicFramePr>
-          <p:nvPr>
-            <p:extLst>
-              <p:ext uri="{D42A27DB-BD31-4B8C-83A1-F6EECF244321}">
-                <p14:modId xmlns:p14="http://schemas.microsoft.com/office/powerpoint/2010/main" val="509722036"/>
-              </p:ext>
-            </p:extLst>
-          </p:nvPr>
-        </p:nvGraphicFramePr>
-        <p:xfrm>
-          <a:off x="0" y="531032"/>
-          <a:ext cx="9753600" cy="304800"/>
-        </p:xfrm>
-        <a:graphic>
-          <a:graphicData uri="http://schemas.openxmlformats.org/presentationml/2006/ole">
-            <mc:AlternateContent xmlns:mc="http://schemas.openxmlformats.org/markup-compatibility/2006">
-              <mc:Choice xmlns:v="urn:schemas-microsoft-com:vml" Requires="v">
-                <p:oleObj spid="_x0000_s5124" r:id="rId3" imgW="13002840" imgH="406080" progId="">
-                  <p:embed/>
-                </p:oleObj>
-              </mc:Choice>
-              <mc:Fallback>
-                <p:oleObj r:id="rId3" imgW="13002840" imgH="406080" progId="">
-                  <p:embed/>
-                  <p:pic>
-                    <p:nvPicPr>
-                      <p:cNvPr id="0" name=""/>
-                      <p:cNvPicPr/>
-                      <p:nvPr/>
-                    </p:nvPicPr>
-                    <p:blipFill>
-                      <a:blip r:embed="rId4"/>
-                      <a:stretch>
-                        <a:fillRect/>
-                      </a:stretch>
-                    </p:blipFill>
-                    <p:spPr>
-                      <a:xfrm>
-                        <a:off x="0" y="531032"/>
-                        <a:ext cx="9753600" cy="304800"/>
-                      </a:xfrm>
-                      <a:prstGeom prst="rect">
-                        <a:avLst/>
-                      </a:prstGeom>
-                    </p:spPr>
-                  </p:pic>
-                </p:oleObj>
-              </mc:Fallback>
-            </mc:AlternateContent>
-          </a:graphicData>
-        </a:graphic>
-      </p:graphicFrame>
-      <p:graphicFrame>
-        <p:nvGraphicFramePr>
-          <p:cNvPr id="31" name="Objet 30"/>
-          <p:cNvGraphicFramePr>
-            <a:graphicFrameLocks noChangeAspect="1"/>
-          </p:cNvGraphicFramePr>
-          <p:nvPr>
-            <p:extLst>
-              <p:ext uri="{D42A27DB-BD31-4B8C-83A1-F6EECF244321}">
-                <p14:modId xmlns:p14="http://schemas.microsoft.com/office/powerpoint/2010/main" val="3252406694"/>
-              </p:ext>
-            </p:extLst>
-          </p:nvPr>
-        </p:nvGraphicFramePr>
-        <p:xfrm>
-          <a:off x="9753600" y="531032"/>
-          <a:ext cx="9753600" cy="304800"/>
-        </p:xfrm>
-        <a:graphic>
-          <a:graphicData uri="http://schemas.openxmlformats.org/presentationml/2006/ole">
-            <mc:AlternateContent xmlns:mc="http://schemas.openxmlformats.org/markup-compatibility/2006">
-              <mc:Choice xmlns:v="urn:schemas-microsoft-com:vml" Requires="v">
-                <p:oleObj spid="_x0000_s5125" r:id="rId5" imgW="13002840" imgH="406080" progId="">
-                  <p:embed/>
-                </p:oleObj>
-              </mc:Choice>
-              <mc:Fallback>
-                <p:oleObj r:id="rId5" imgW="13002840" imgH="406080" progId="">
-                  <p:embed/>
-                  <p:pic>
-                    <p:nvPicPr>
-                      <p:cNvPr id="0" name=""/>
-                      <p:cNvPicPr/>
-                      <p:nvPr/>
-                    </p:nvPicPr>
-                    <p:blipFill>
-                      <a:blip r:embed="rId4"/>
-                      <a:stretch>
-                        <a:fillRect/>
-                      </a:stretch>
-                    </p:blipFill>
-                    <p:spPr>
-                      <a:xfrm>
-                        <a:off x="9753600" y="531032"/>
-                        <a:ext cx="9753600" cy="304800"/>
-                      </a:xfrm>
-                      <a:prstGeom prst="rect">
-                        <a:avLst/>
-                      </a:prstGeom>
-                    </p:spPr>
-                  </p:pic>
-                </p:oleObj>
-              </mc:Fallback>
-            </mc:AlternateContent>
-          </a:graphicData>
-        </a:graphic>
-      </p:graphicFrame>
-      <p:sp>
-        <p:nvSpPr>
-          <p:cNvPr id="28" name="Rectangle 27"/>
-          <p:cNvSpPr/>
-          <p:nvPr/>
-        </p:nvSpPr>
-        <p:spPr>
-          <a:xfrm>
-            <a:off x="0" y="-1"/>
-            <a:ext cx="12192000" cy="799200"/>
-          </a:xfrm>
-          <a:prstGeom prst="rect">
-            <a:avLst/>
-          </a:prstGeom>
-          <a:solidFill>
-            <a:schemeClr val="tx1">
-              <a:lumMod val="65000"/>
-              <a:lumOff val="35000"/>
-            </a:schemeClr>
-          </a:solidFill>
-          <a:ln>
-            <a:noFill/>
-          </a:ln>
-        </p:spPr>
-        <p:style>
-          <a:lnRef idx="2">
-            <a:schemeClr val="accent1">
-              <a:shade val="50000"/>
-            </a:schemeClr>
-          </a:lnRef>
-          <a:fillRef idx="1">
-            <a:schemeClr val="accent1"/>
-          </a:fillRef>
-          <a:effectRef idx="0">
-            <a:schemeClr val="accent1"/>
-          </a:effectRef>
-          <a:fontRef idx="minor">
-            <a:schemeClr val="lt1"/>
-          </a:fontRef>
-        </p:style>
-        <p:txBody>
-          <a:bodyPr rtlCol="0" anchor="ctr"/>
-          <a:lstStyle/>
-          <a:p>
-            <a:pPr algn="ctr"/>
-            <a:endParaRPr lang="fr-FR"/>
-          </a:p>
-        </p:txBody>
-      </p:sp>
-      <p:sp>
-        <p:nvSpPr>
-          <p:cNvPr id="29" name="ZoneTexte 28"/>
-          <p:cNvSpPr txBox="1"/>
-          <p:nvPr/>
-        </p:nvSpPr>
-        <p:spPr>
-          <a:xfrm>
-            <a:off x="159392" y="171226"/>
-            <a:ext cx="11115413" cy="738664"/>
-          </a:xfrm>
-          <a:prstGeom prst="rect">
-            <a:avLst/>
-          </a:prstGeom>
-          <a:noFill/>
-        </p:spPr>
-        <p:txBody>
-          <a:bodyPr wrap="square" rtlCol="0">
-            <a:spAutoFit/>
-          </a:bodyPr>
-          <a:lstStyle/>
-          <a:p>
-            <a:r>
-              <a:rPr lang="fr-FR" sz="2400" dirty="0" smtClean="0">
+              <a:rPr lang="fr-FR" sz="2400" dirty="0">
                 <a:solidFill>
                   <a:schemeClr val="bg1"/>
                 </a:solidFill>
@@ -6683,21 +6532,21 @@
                 <a:gridCol w="369328">
                   <a:extLst>
                     <a:ext uri="{9D8B030D-6E8A-4147-A177-3AD203B41FA5}">
-                      <a16:colId xmlns:a16="http://schemas.microsoft.com/office/drawing/2014/main" xmlns="" val="1734895218"/>
+                      <a16:colId xmlns:a16="http://schemas.microsoft.com/office/drawing/2014/main" val="1734895218"/>
                     </a:ext>
                   </a:extLst>
                 </a:gridCol>
                 <a:gridCol w="5835236">
                   <a:extLst>
                     <a:ext uri="{9D8B030D-6E8A-4147-A177-3AD203B41FA5}">
-                      <a16:colId xmlns:a16="http://schemas.microsoft.com/office/drawing/2014/main" xmlns="" val="908248774"/>
+                      <a16:colId xmlns:a16="http://schemas.microsoft.com/office/drawing/2014/main" val="908248774"/>
                     </a:ext>
                   </a:extLst>
                 </a:gridCol>
                 <a:gridCol w="1923436">
                   <a:extLst>
                     <a:ext uri="{9D8B030D-6E8A-4147-A177-3AD203B41FA5}">
-                      <a16:colId xmlns:a16="http://schemas.microsoft.com/office/drawing/2014/main" xmlns="" val="2529677039"/>
+                      <a16:colId xmlns:a16="http://schemas.microsoft.com/office/drawing/2014/main" val="2529677039"/>
                     </a:ext>
                   </a:extLst>
                 </a:gridCol>
@@ -6788,7 +6637,7 @@
                 </a:tc>
                 <a:extLst>
                   <a:ext uri="{0D108BD9-81ED-4DB2-BD59-A6C34878D82A}">
-                    <a16:rowId xmlns:a16="http://schemas.microsoft.com/office/drawing/2014/main" xmlns="" val="744536208"/>
+                    <a16:rowId xmlns:a16="http://schemas.microsoft.com/office/drawing/2014/main" val="744536208"/>
                   </a:ext>
                 </a:extLst>
               </a:tr>
@@ -6872,7 +6721,7 @@
                 </a:tc>
                 <a:extLst>
                   <a:ext uri="{0D108BD9-81ED-4DB2-BD59-A6C34878D82A}">
-                    <a16:rowId xmlns:a16="http://schemas.microsoft.com/office/drawing/2014/main" xmlns="" val="2523755799"/>
+                    <a16:rowId xmlns:a16="http://schemas.microsoft.com/office/drawing/2014/main" val="2523755799"/>
                   </a:ext>
                 </a:extLst>
               </a:tr>
@@ -6975,7 +6824,7 @@
                 </a:tc>
                 <a:extLst>
                   <a:ext uri="{0D108BD9-81ED-4DB2-BD59-A6C34878D82A}">
-                    <a16:rowId xmlns:a16="http://schemas.microsoft.com/office/drawing/2014/main" xmlns="" val="1214565585"/>
+                    <a16:rowId xmlns:a16="http://schemas.microsoft.com/office/drawing/2014/main" val="1214565585"/>
                   </a:ext>
                 </a:extLst>
               </a:tr>
@@ -7049,7 +6898,7 @@
                         <a:defRPr/>
                       </a:pPr>
                       <a:r>
-                        <a:rPr lang="fr-FR" sz="1600" b="0" dirty="0" smtClean="0">
+                        <a:rPr lang="fr-FR" sz="1600" b="0" dirty="0">
                           <a:solidFill>
                             <a:schemeClr val="tx1">
                               <a:lumMod val="65000"/>
@@ -7060,15 +6909,6 @@
                         </a:rPr>
                         <a:t>Multijoueur</a:t>
                       </a:r>
-                      <a:endParaRPr lang="fr-FR" sz="1600" b="0" dirty="0">
-                        <a:solidFill>
-                          <a:schemeClr val="tx1">
-                            <a:lumMod val="65000"/>
-                            <a:lumOff val="35000"/>
-                          </a:schemeClr>
-                        </a:solidFill>
-                        <a:latin typeface="+mn-lt"/>
-                      </a:endParaRPr>
                     </a:p>
                   </a:txBody>
                   <a:tcPr>
@@ -7114,7 +6954,7 @@
                 </a:tc>
                 <a:extLst>
                   <a:ext uri="{0D108BD9-81ED-4DB2-BD59-A6C34878D82A}">
-                    <a16:rowId xmlns:a16="http://schemas.microsoft.com/office/drawing/2014/main" xmlns="" val="1826921360"/>
+                    <a16:rowId xmlns:a16="http://schemas.microsoft.com/office/drawing/2014/main" val="1826921360"/>
                   </a:ext>
                 </a:extLst>
               </a:tr>
@@ -7258,7 +7098,7 @@
                 </a:tc>
                 <a:extLst>
                   <a:ext uri="{0D108BD9-81ED-4DB2-BD59-A6C34878D82A}">
-                    <a16:rowId xmlns:a16="http://schemas.microsoft.com/office/drawing/2014/main" xmlns="" val="2932840409"/>
+                    <a16:rowId xmlns:a16="http://schemas.microsoft.com/office/drawing/2014/main" val="2932840409"/>
                   </a:ext>
                 </a:extLst>
               </a:tr>
@@ -7409,7 +7249,7 @@
                 </a:tc>
                 <a:extLst>
                   <a:ext uri="{0D108BD9-81ED-4DB2-BD59-A6C34878D82A}">
-                    <a16:rowId xmlns:a16="http://schemas.microsoft.com/office/drawing/2014/main" xmlns="" val="3736278046"/>
+                    <a16:rowId xmlns:a16="http://schemas.microsoft.com/office/drawing/2014/main" val="3736278046"/>
                   </a:ext>
                 </a:extLst>
               </a:tr>
@@ -7562,7 +7402,7 @@
                 </a:tc>
                 <a:extLst>
                   <a:ext uri="{0D108BD9-81ED-4DB2-BD59-A6C34878D82A}">
-                    <a16:rowId xmlns:a16="http://schemas.microsoft.com/office/drawing/2014/main" xmlns="" val="2493942223"/>
+                    <a16:rowId xmlns:a16="http://schemas.microsoft.com/office/drawing/2014/main" val="2493942223"/>
                   </a:ext>
                 </a:extLst>
               </a:tr>
@@ -7717,7 +7557,7 @@
                 </a:tc>
                 <a:extLst>
                   <a:ext uri="{0D108BD9-81ED-4DB2-BD59-A6C34878D82A}">
-                    <a16:rowId xmlns:a16="http://schemas.microsoft.com/office/drawing/2014/main" xmlns="" val="3752774149"/>
+                    <a16:rowId xmlns:a16="http://schemas.microsoft.com/office/drawing/2014/main" val="3752774149"/>
                   </a:ext>
                 </a:extLst>
               </a:tr>
@@ -7849,7 +7689,7 @@
                 </a:tc>
                 <a:extLst>
                   <a:ext uri="{0D108BD9-81ED-4DB2-BD59-A6C34878D82A}">
-                    <a16:rowId xmlns:a16="http://schemas.microsoft.com/office/drawing/2014/main" xmlns="" val="2900576377"/>
+                    <a16:rowId xmlns:a16="http://schemas.microsoft.com/office/drawing/2014/main" val="2900576377"/>
                   </a:ext>
                 </a:extLst>
               </a:tr>
@@ -8000,7 +7840,7 @@
                 </a:tc>
                 <a:extLst>
                   <a:ext uri="{0D108BD9-81ED-4DB2-BD59-A6C34878D82A}">
-                    <a16:rowId xmlns:a16="http://schemas.microsoft.com/office/drawing/2014/main" xmlns="" val="3156999127"/>
+                    <a16:rowId xmlns:a16="http://schemas.microsoft.com/office/drawing/2014/main" val="3156999127"/>
                   </a:ext>
                 </a:extLst>
               </a:tr>
@@ -8134,7 +7974,7 @@
                 </a:tc>
                 <a:extLst>
                   <a:ext uri="{0D108BD9-81ED-4DB2-BD59-A6C34878D82A}">
-                    <a16:rowId xmlns:a16="http://schemas.microsoft.com/office/drawing/2014/main" xmlns="" val="3767000208"/>
+                    <a16:rowId xmlns:a16="http://schemas.microsoft.com/office/drawing/2014/main" val="3767000208"/>
                   </a:ext>
                 </a:extLst>
               </a:tr>
@@ -8353,7 +8193,7 @@
                 </a:tc>
                 <a:extLst>
                   <a:ext uri="{0D108BD9-81ED-4DB2-BD59-A6C34878D82A}">
-                    <a16:rowId xmlns:a16="http://schemas.microsoft.com/office/drawing/2014/main" xmlns="" val="1632742703"/>
+                    <a16:rowId xmlns:a16="http://schemas.microsoft.com/office/drawing/2014/main" val="1632742703"/>
                   </a:ext>
                 </a:extLst>
               </a:tr>
@@ -8371,13 +8211,6 @@
   <p:clrMapOvr>
     <a:masterClrMapping/>
   </p:clrMapOvr>
-  <p:timing>
-    <p:tnLst>
-      <p:par>
-        <p:cTn id="1" dur="indefinite" restart="never" nodeType="tmRoot"/>
-      </p:par>
-    </p:tnLst>
-  </p:timing>
 </p:sld>
 </file>
 
